--- a/Fake News Detection Using Transformers.pptx
+++ b/Fake News Detection Using Transformers.pptx
@@ -10,16 +10,17 @@
     <p:sldId id="257" r:id="rId7"/>
     <p:sldId id="259" r:id="rId8"/>
     <p:sldId id="260" r:id="rId9"/>
-    <p:sldId id="261" r:id="rId10"/>
-    <p:sldId id="262" r:id="rId11"/>
-    <p:sldId id="263" r:id="rId12"/>
-    <p:sldId id="264" r:id="rId13"/>
-    <p:sldId id="265" r:id="rId14"/>
-    <p:sldId id="266" r:id="rId15"/>
-    <p:sldId id="267" r:id="rId16"/>
-    <p:sldId id="268" r:id="rId17"/>
-    <p:sldId id="269" r:id="rId18"/>
-    <p:sldId id="270" r:id="rId19"/>
+    <p:sldId id="271" r:id="rId10"/>
+    <p:sldId id="261" r:id="rId11"/>
+    <p:sldId id="262" r:id="rId12"/>
+    <p:sldId id="263" r:id="rId13"/>
+    <p:sldId id="264" r:id="rId14"/>
+    <p:sldId id="265" r:id="rId15"/>
+    <p:sldId id="266" r:id="rId16"/>
+    <p:sldId id="267" r:id="rId17"/>
+    <p:sldId id="268" r:id="rId18"/>
+    <p:sldId id="269" r:id="rId19"/>
+    <p:sldId id="270" r:id="rId20"/>
   </p:sldIdLst>
   <p:sldSz cx="12192000" cy="6858000"/>
   <p:notesSz cx="6858000" cy="9144000"/>
@@ -118,6 +119,11 @@
       </a:defRPr>
     </a:lvl9pPr>
   </p:defaultTextStyle>
+  <p:extLst>
+    <p:ext uri="{EFAFB233-063F-42B5-8137-9DF3F51BA10A}">
+      <p15:sldGuideLst xmlns:p15="http://schemas.microsoft.com/office/powerpoint/2012/main"/>
+    </p:ext>
+  </p:extLst>
 </p:presentation>
 </file>
 
@@ -4533,7 +4539,7 @@
         <a:lstStyle/>
         <a:p>
           <a:r>
-            <a:rPr lang="en-US"/>
+            <a:rPr lang="en-US" dirty="0"/>
             <a:t>Fake-News-Bert-Detect</a:t>
           </a:r>
         </a:p>
@@ -6378,7 +6384,7 @@
             <a:buNone/>
           </a:pPr>
           <a:r>
-            <a:rPr lang="en-US" sz="2100" kern="1200"/>
+            <a:rPr lang="en-US" sz="2100" kern="1200" dirty="0"/>
             <a:t>Fake-News-Bert-Detect</a:t>
           </a:r>
         </a:p>
@@ -17789,7 +17795,7 @@
           <a:p>
             <a:fld id="{3C04E684-10F4-4CC3-A0B9-F03AA7BE37CF}" type="datetimeFigureOut">
               <a:rPr lang="en-US" smtClean="0"/>
-              <a:t>12/1/2024</a:t>
+              <a:t>12/5/2024</a:t>
             </a:fld>
             <a:endParaRPr lang="en-US"/>
           </a:p>
@@ -20279,7 +20285,7 @@
           <a:p>
             <a:fld id="{3C04E684-10F4-4CC3-A0B9-F03AA7BE37CF}" type="datetimeFigureOut">
               <a:rPr lang="en-US" smtClean="0"/>
-              <a:t>12/1/2024</a:t>
+              <a:t>12/5/2024</a:t>
             </a:fld>
             <a:endParaRPr lang="en-US"/>
           </a:p>
@@ -20477,7 +20483,7 @@
           <a:p>
             <a:fld id="{3C04E684-10F4-4CC3-A0B9-F03AA7BE37CF}" type="datetimeFigureOut">
               <a:rPr lang="en-US" smtClean="0"/>
-              <a:t>12/1/2024</a:t>
+              <a:t>12/5/2024</a:t>
             </a:fld>
             <a:endParaRPr lang="en-US"/>
           </a:p>
@@ -20685,7 +20691,7 @@
           <a:p>
             <a:fld id="{3C04E684-10F4-4CC3-A0B9-F03AA7BE37CF}" type="datetimeFigureOut">
               <a:rPr lang="en-US" smtClean="0"/>
-              <a:t>12/1/2024</a:t>
+              <a:t>12/5/2024</a:t>
             </a:fld>
             <a:endParaRPr lang="en-US"/>
           </a:p>
@@ -21422,7 +21428,7 @@
           <a:p>
             <a:fld id="{3C04E684-10F4-4CC3-A0B9-F03AA7BE37CF}" type="datetimeFigureOut">
               <a:rPr lang="en-US" smtClean="0"/>
-              <a:t>12/1/2024</a:t>
+              <a:t>12/5/2024</a:t>
             </a:fld>
             <a:endParaRPr lang="en-US"/>
           </a:p>
@@ -22064,7 +22070,7 @@
           <a:p>
             <a:fld id="{3C04E684-10F4-4CC3-A0B9-F03AA7BE37CF}" type="datetimeFigureOut">
               <a:rPr lang="en-US" smtClean="0"/>
-              <a:t>12/1/2024</a:t>
+              <a:t>12/5/2024</a:t>
             </a:fld>
             <a:endParaRPr lang="en-US"/>
           </a:p>
@@ -22864,7 +22870,7 @@
           <a:p>
             <a:fld id="{3C04E684-10F4-4CC3-A0B9-F03AA7BE37CF}" type="datetimeFigureOut">
               <a:rPr lang="en-US" smtClean="0"/>
-              <a:t>12/1/2024</a:t>
+              <a:t>12/5/2024</a:t>
             </a:fld>
             <a:endParaRPr lang="en-US"/>
           </a:p>
@@ -23815,7 +23821,7 @@
           <a:p>
             <a:fld id="{3C04E684-10F4-4CC3-A0B9-F03AA7BE37CF}" type="datetimeFigureOut">
               <a:rPr lang="en-US" smtClean="0"/>
-              <a:t>12/1/2024</a:t>
+              <a:t>12/5/2024</a:t>
             </a:fld>
             <a:endParaRPr lang="en-US"/>
           </a:p>
@@ -26164,7 +26170,7 @@
           <a:p>
             <a:fld id="{3C04E684-10F4-4CC3-A0B9-F03AA7BE37CF}" type="datetimeFigureOut">
               <a:rPr lang="en-US" smtClean="0"/>
-              <a:t>12/1/2024</a:t>
+              <a:t>12/5/2024</a:t>
             </a:fld>
             <a:endParaRPr lang="en-US"/>
           </a:p>
@@ -26277,7 +26283,7 @@
           <a:p>
             <a:fld id="{3C04E684-10F4-4CC3-A0B9-F03AA7BE37CF}" type="datetimeFigureOut">
               <a:rPr lang="en-US" smtClean="0"/>
-              <a:t>12/1/2024</a:t>
+              <a:t>12/5/2024</a:t>
             </a:fld>
             <a:endParaRPr lang="en-US"/>
           </a:p>
@@ -26784,7 +26790,7 @@
           <a:p>
             <a:fld id="{3C04E684-10F4-4CC3-A0B9-F03AA7BE37CF}" type="datetimeFigureOut">
               <a:rPr lang="en-US" smtClean="0"/>
-              <a:t>12/1/2024</a:t>
+              <a:t>12/5/2024</a:t>
             </a:fld>
             <a:endParaRPr lang="en-US"/>
           </a:p>
@@ -28087,7 +28093,7 @@
           <a:p>
             <a:fld id="{3C04E684-10F4-4CC3-A0B9-F03AA7BE37CF}" type="datetimeFigureOut">
               <a:rPr lang="en-US" smtClean="0"/>
-              <a:t>12/1/2024</a:t>
+              <a:t>12/5/2024</a:t>
             </a:fld>
             <a:endParaRPr lang="en-US"/>
           </a:p>
@@ -28334,7 +28340,7 @@
           <a:p>
             <a:fld id="{3C04E684-10F4-4CC3-A0B9-F03AA7BE37CF}" type="datetimeFigureOut">
               <a:rPr lang="en-US" smtClean="0"/>
-              <a:t>12/1/2024</a:t>
+              <a:t>12/5/2024</a:t>
             </a:fld>
             <a:endParaRPr lang="en-US"/>
           </a:p>
@@ -29616,6 +29622,62 @@
           <a:chExt cx="0" cy="0"/>
         </a:xfrm>
       </p:grpSpPr>
+      <p:graphicFrame>
+        <p:nvGraphicFramePr>
+          <p:cNvPr id="8" name="Platshållare för innehåll 5">
+            <a:extLst>
+              <a:ext uri="{FF2B5EF4-FFF2-40B4-BE49-F238E27FC236}">
+                <a16:creationId xmlns:a16="http://schemas.microsoft.com/office/drawing/2014/main" id="{9DEA890C-ADF3-4839-9A70-47656DFF1284}"/>
+              </a:ext>
+            </a:extLst>
+          </p:cNvPr>
+          <p:cNvGraphicFramePr>
+            <a:graphicFrameLocks noGrp="1"/>
+          </p:cNvGraphicFramePr>
+          <p:nvPr>
+            <p:ph idx="1"/>
+          </p:nvPr>
+        </p:nvGraphicFramePr>
+        <p:xfrm>
+          <a:off x="730045" y="182880"/>
+          <a:ext cx="10515600" cy="6158926"/>
+        </p:xfrm>
+        <a:graphic>
+          <a:graphicData uri="http://schemas.openxmlformats.org/drawingml/2006/diagram">
+            <dgm:relIds xmlns:dgm="http://schemas.openxmlformats.org/drawingml/2006/diagram" xmlns:r="http://schemas.openxmlformats.org/officeDocument/2006/relationships" r:dm="rId2" r:lo="rId3" r:qs="rId4" r:cs="rId5"/>
+          </a:graphicData>
+        </a:graphic>
+      </p:graphicFrame>
+    </p:spTree>
+    <p:extLst>
+      <p:ext uri="{BB962C8B-B14F-4D97-AF65-F5344CB8AC3E}">
+        <p14:creationId xmlns:p14="http://schemas.microsoft.com/office/powerpoint/2010/main" val="2903436031"/>
+      </p:ext>
+    </p:extLst>
+  </p:cSld>
+  <p:clrMapOvr>
+    <a:masterClrMapping/>
+  </p:clrMapOvr>
+</p:sld>
+</file>
+
+<file path=ppt/slides/slide11.xml><?xml version="1.0" encoding="utf-8"?>
+<p:sld xmlns:a="http://schemas.openxmlformats.org/drawingml/2006/main" xmlns:r="http://schemas.openxmlformats.org/officeDocument/2006/relationships" xmlns:p="http://schemas.openxmlformats.org/presentationml/2006/main">
+  <p:cSld>
+    <p:spTree>
+      <p:nvGrpSpPr>
+        <p:cNvPr id="1" name=""/>
+        <p:cNvGrpSpPr/>
+        <p:nvPr/>
+      </p:nvGrpSpPr>
+      <p:grpSpPr>
+        <a:xfrm>
+          <a:off x="0" y="0"/>
+          <a:ext cx="0" cy="0"/>
+          <a:chOff x="0" y="0"/>
+          <a:chExt cx="0" cy="0"/>
+        </a:xfrm>
+      </p:grpSpPr>
       <p:sp>
         <p:nvSpPr>
           <p:cNvPr id="2" name="Rubrik 1">
@@ -29733,7 +29795,7 @@
 </p:sld>
 </file>
 
-<file path=ppt/slides/slide11.xml><?xml version="1.0" encoding="utf-8"?>
+<file path=ppt/slides/slide12.xml><?xml version="1.0" encoding="utf-8"?>
 <p:sld xmlns:a="http://schemas.openxmlformats.org/drawingml/2006/main" xmlns:r="http://schemas.openxmlformats.org/officeDocument/2006/relationships" xmlns:p="http://schemas.openxmlformats.org/presentationml/2006/main">
   <p:cSld>
     <p:spTree>
@@ -29990,7 +30052,7 @@
 </p:sld>
 </file>
 
-<file path=ppt/slides/slide12.xml><?xml version="1.0" encoding="utf-8"?>
+<file path=ppt/slides/slide13.xml><?xml version="1.0" encoding="utf-8"?>
 <p:sld xmlns:a="http://schemas.openxmlformats.org/drawingml/2006/main" xmlns:r="http://schemas.openxmlformats.org/officeDocument/2006/relationships" xmlns:p="http://schemas.openxmlformats.org/presentationml/2006/main">
   <p:cSld>
     <p:spTree>
@@ -30278,7 +30340,7 @@
 </p:sld>
 </file>
 
-<file path=ppt/slides/slide13.xml><?xml version="1.0" encoding="utf-8"?>
+<file path=ppt/slides/slide14.xml><?xml version="1.0" encoding="utf-8"?>
 <p:sld xmlns:a="http://schemas.openxmlformats.org/drawingml/2006/main" xmlns:r="http://schemas.openxmlformats.org/officeDocument/2006/relationships" xmlns:p="http://schemas.openxmlformats.org/presentationml/2006/main">
   <p:cSld>
     <p:spTree>
@@ -30463,7 +30525,7 @@
             </a:r>
             <a:r>
               <a:rPr lang="sv-SE" dirty="0" err="1"/>
-              <a:t>acheves</a:t>
+              <a:t>achieves</a:t>
             </a:r>
             <a:r>
               <a:rPr lang="sv-SE" dirty="0"/>
@@ -30517,7 +30579,7 @@
 </p:sld>
 </file>
 
-<file path=ppt/slides/slide14.xml><?xml version="1.0" encoding="utf-8"?>
+<file path=ppt/slides/slide15.xml><?xml version="1.0" encoding="utf-8"?>
 <p:sld xmlns:a="http://schemas.openxmlformats.org/drawingml/2006/main" xmlns:r="http://schemas.openxmlformats.org/officeDocument/2006/relationships" xmlns:p="http://schemas.openxmlformats.org/presentationml/2006/main">
   <p:cSld>
     <p:bg>
@@ -31075,7 +31137,7 @@
 </p:sld>
 </file>
 
-<file path=ppt/slides/slide15.xml><?xml version="1.0" encoding="utf-8"?>
+<file path=ppt/slides/slide16.xml><?xml version="1.0" encoding="utf-8"?>
 <p:sld xmlns:a="http://schemas.openxmlformats.org/drawingml/2006/main" xmlns:r="http://schemas.openxmlformats.org/officeDocument/2006/relationships" xmlns:p="http://schemas.openxmlformats.org/presentationml/2006/main">
   <p:cSld>
     <p:bg>
@@ -37538,9 +37600,10 @@
           <a:lstStyle/>
           <a:p>
             <a:r>
-              <a:rPr lang="sv-SE"/>
+              <a:rPr lang="sv-SE" dirty="0" err="1"/>
               <a:t>Model</a:t>
             </a:r>
+            <a:endParaRPr lang="sv-SE" dirty="0"/>
           </a:p>
         </p:txBody>
       </p:sp>
@@ -37619,6 +37682,2396 @@
 </file>
 
 <file path=ppt/slides/slide6.xml><?xml version="1.0" encoding="utf-8"?>
+<p:sld xmlns:a="http://schemas.openxmlformats.org/drawingml/2006/main" xmlns:r="http://schemas.openxmlformats.org/officeDocument/2006/relationships" xmlns:p="http://schemas.openxmlformats.org/presentationml/2006/main">
+  <p:cSld>
+    <p:bg>
+      <p:bgPr>
+        <a:solidFill>
+          <a:schemeClr val="bg1"/>
+        </a:solidFill>
+        <a:effectLst/>
+      </p:bgPr>
+    </p:bg>
+    <p:spTree>
+      <p:nvGrpSpPr>
+        <p:cNvPr id="1" name=""/>
+        <p:cNvGrpSpPr/>
+        <p:nvPr/>
+      </p:nvGrpSpPr>
+      <p:grpSpPr>
+        <a:xfrm>
+          <a:off x="0" y="0"/>
+          <a:ext cx="0" cy="0"/>
+          <a:chOff x="0" y="0"/>
+          <a:chExt cx="0" cy="0"/>
+        </a:xfrm>
+      </p:grpSpPr>
+      <p:sp>
+        <p:nvSpPr>
+          <p:cNvPr id="10" name="Graphic 1">
+            <a:extLst>
+              <a:ext uri="{FF2B5EF4-FFF2-40B4-BE49-F238E27FC236}">
+                <a16:creationId xmlns:a16="http://schemas.microsoft.com/office/drawing/2014/main" id="{0D57E7FA-E8FC-45AC-868F-CDC8144939D6}"/>
+              </a:ext>
+              <a:ext uri="{C183D7F6-B498-43B3-948B-1728B52AA6E4}">
+                <adec:decorative xmlns:adec="http://schemas.microsoft.com/office/drawing/2017/decorative" val="1"/>
+              </a:ext>
+            </a:extLst>
+          </p:cNvPr>
+          <p:cNvSpPr>
+            <a:spLocks noGrp="1" noRot="1" noChangeAspect="1" noMove="1" noResize="1" noEditPoints="1" noAdjustHandles="1" noChangeArrowheads="1" noChangeShapeType="1" noTextEdit="1"/>
+          </p:cNvSpPr>
+          <p:nvPr>
+            <p:extLst>
+              <p:ext uri="{386F3935-93C4-4BCD-93E2-E3B085C9AB24}">
+                <p16:designElem xmlns:p16="http://schemas.microsoft.com/office/powerpoint/2015/main" val="1"/>
+              </p:ext>
+            </p:extLst>
+          </p:nvPr>
+        </p:nvSpPr>
+        <p:spPr>
+          <a:xfrm rot="10800000" flipV="1">
+            <a:off x="2599854" y="527562"/>
+            <a:ext cx="6992292" cy="5102484"/>
+          </a:xfrm>
+          <a:custGeom>
+            <a:avLst/>
+            <a:gdLst/>
+            <a:ahLst/>
+            <a:cxnLst/>
+            <a:rect l="l" t="t" r="r" b="b"/>
+            <a:pathLst>
+              <a:path w="6886274" h="5025119">
+                <a:moveTo>
+                  <a:pt x="5458905" y="754119"/>
+                </a:moveTo>
+                <a:cubicBezTo>
+                  <a:pt x="5417216" y="775336"/>
+                  <a:pt x="4594585" y="1111088"/>
+                  <a:pt x="3455557" y="1027709"/>
+                </a:cubicBezTo>
+                <a:cubicBezTo>
+                  <a:pt x="3415356" y="1024731"/>
+                  <a:pt x="3377389" y="1022869"/>
+                  <a:pt x="3338677" y="1021381"/>
+                </a:cubicBezTo>
+                <a:cubicBezTo>
+                  <a:pt x="2996224" y="1006119"/>
+                  <a:pt x="2660100" y="998674"/>
+                  <a:pt x="2518280" y="980435"/>
+                </a:cubicBezTo>
+                <a:cubicBezTo>
+                  <a:pt x="2407355" y="965918"/>
+                  <a:pt x="1840075" y="843082"/>
+                  <a:pt x="1673687" y="739229"/>
+                </a:cubicBezTo>
+                <a:cubicBezTo>
+                  <a:pt x="1503578" y="632771"/>
+                  <a:pt x="1343146" y="515146"/>
+                  <a:pt x="1183459" y="397149"/>
+                </a:cubicBezTo>
+                <a:cubicBezTo>
+                  <a:pt x="1114224" y="346153"/>
+                  <a:pt x="1040522" y="299624"/>
+                  <a:pt x="977987" y="241184"/>
+                </a:cubicBezTo>
+                <a:cubicBezTo>
+                  <a:pt x="915453" y="182372"/>
+                  <a:pt x="855896" y="121326"/>
+                  <a:pt x="788150" y="66980"/>
+                </a:cubicBezTo>
+                <a:cubicBezTo>
+                  <a:pt x="768794" y="51346"/>
+                  <a:pt x="749438" y="34596"/>
+                  <a:pt x="721148" y="31990"/>
+                </a:cubicBezTo>
+                <a:cubicBezTo>
+                  <a:pt x="714820" y="31246"/>
+                  <a:pt x="708120" y="31618"/>
+                  <a:pt x="701792" y="32362"/>
+                </a:cubicBezTo>
+                <a:cubicBezTo>
+                  <a:pt x="694720" y="33107"/>
+                  <a:pt x="689136" y="36829"/>
+                  <a:pt x="686530" y="43157"/>
+                </a:cubicBezTo>
+                <a:cubicBezTo>
+                  <a:pt x="683925" y="50230"/>
+                  <a:pt x="688392" y="54324"/>
+                  <a:pt x="693603" y="58046"/>
+                </a:cubicBezTo>
+                <a:cubicBezTo>
+                  <a:pt x="697325" y="60652"/>
+                  <a:pt x="701047" y="64747"/>
+                  <a:pt x="705886" y="65491"/>
+                </a:cubicBezTo>
+                <a:cubicBezTo>
+                  <a:pt x="736782" y="69958"/>
+                  <a:pt x="748321" y="92664"/>
+                  <a:pt x="762838" y="112764"/>
+                </a:cubicBezTo>
+                <a:cubicBezTo>
+                  <a:pt x="769166" y="121326"/>
+                  <a:pt x="775866" y="128026"/>
+                  <a:pt x="764327" y="140309"/>
+                </a:cubicBezTo>
+                <a:cubicBezTo>
+                  <a:pt x="754277" y="151104"/>
+                  <a:pt x="764699" y="156688"/>
+                  <a:pt x="775121" y="159666"/>
+                </a:cubicBezTo>
+                <a:cubicBezTo>
+                  <a:pt x="789638" y="163760"/>
+                  <a:pt x="806761" y="163016"/>
+                  <a:pt x="823139" y="176416"/>
+                </a:cubicBezTo>
+                <a:cubicBezTo>
+                  <a:pt x="761721" y="177533"/>
+                  <a:pt x="735665" y="142171"/>
+                  <a:pt x="707748" y="109414"/>
+                </a:cubicBezTo>
+                <a:cubicBezTo>
+                  <a:pt x="697325" y="97503"/>
+                  <a:pt x="690253" y="83358"/>
+                  <a:pt x="681319" y="69958"/>
+                </a:cubicBezTo>
+                <a:cubicBezTo>
+                  <a:pt x="670152" y="53580"/>
+                  <a:pt x="657124" y="52835"/>
+                  <a:pt x="640746" y="67352"/>
+                </a:cubicBezTo>
+                <a:cubicBezTo>
+                  <a:pt x="626229" y="80380"/>
+                  <a:pt x="619157" y="79264"/>
+                  <a:pt x="614318" y="61396"/>
+                </a:cubicBezTo>
+                <a:cubicBezTo>
+                  <a:pt x="606873" y="33479"/>
+                  <a:pt x="589750" y="13751"/>
+                  <a:pt x="560716" y="3701"/>
+                </a:cubicBezTo>
+                <a:cubicBezTo>
+                  <a:pt x="554388" y="1467"/>
+                  <a:pt x="546572" y="-3372"/>
+                  <a:pt x="540616" y="3701"/>
+                </a:cubicBezTo>
+                <a:cubicBezTo>
+                  <a:pt x="535405" y="9656"/>
+                  <a:pt x="539871" y="16729"/>
+                  <a:pt x="543594" y="21940"/>
+                </a:cubicBezTo>
+                <a:cubicBezTo>
+                  <a:pt x="550294" y="31246"/>
+                  <a:pt x="556250" y="40179"/>
+                  <a:pt x="558855" y="51346"/>
+                </a:cubicBezTo>
+                <a:cubicBezTo>
+                  <a:pt x="560716" y="58791"/>
+                  <a:pt x="562578" y="66980"/>
+                  <a:pt x="557366" y="72563"/>
+                </a:cubicBezTo>
+                <a:cubicBezTo>
+                  <a:pt x="535777" y="96386"/>
+                  <a:pt x="551411" y="107553"/>
+                  <a:pt x="570022" y="120209"/>
+                </a:cubicBezTo>
+                <a:cubicBezTo>
+                  <a:pt x="595706" y="137332"/>
+                  <a:pt x="605756" y="162643"/>
+                  <a:pt x="599801" y="192794"/>
+                </a:cubicBezTo>
+                <a:cubicBezTo>
+                  <a:pt x="597567" y="205078"/>
+                  <a:pt x="599056" y="212522"/>
+                  <a:pt x="614318" y="212150"/>
+                </a:cubicBezTo>
+                <a:cubicBezTo>
+                  <a:pt x="620273" y="212150"/>
+                  <a:pt x="621762" y="216245"/>
+                  <a:pt x="623996" y="220711"/>
+                </a:cubicBezTo>
+                <a:cubicBezTo>
+                  <a:pt x="671641" y="326053"/>
+                  <a:pt x="740504" y="418366"/>
+                  <a:pt x="821278" y="503235"/>
+                </a:cubicBezTo>
+                <a:cubicBezTo>
+                  <a:pt x="886791" y="572098"/>
+                  <a:pt x="959004" y="634260"/>
+                  <a:pt x="1033822" y="694562"/>
+                </a:cubicBezTo>
+                <a:cubicBezTo>
+                  <a:pt x="1036055" y="696423"/>
+                  <a:pt x="1038289" y="698656"/>
+                  <a:pt x="1039406" y="702378"/>
+                </a:cubicBezTo>
+                <a:cubicBezTo>
+                  <a:pt x="1004044" y="694934"/>
+                  <a:pt x="973521" y="679672"/>
+                  <a:pt x="944114" y="662550"/>
+                </a:cubicBezTo>
+                <a:cubicBezTo>
+                  <a:pt x="865946" y="617138"/>
+                  <a:pt x="800061" y="558325"/>
+                  <a:pt x="733432" y="500629"/>
+                </a:cubicBezTo>
+                <a:cubicBezTo>
+                  <a:pt x="692858" y="465267"/>
+                  <a:pt x="651169" y="431022"/>
+                  <a:pt x="606501" y="399755"/>
+                </a:cubicBezTo>
+                <a:cubicBezTo>
+                  <a:pt x="599056" y="394543"/>
+                  <a:pt x="593845" y="387843"/>
+                  <a:pt x="588634" y="381143"/>
+                </a:cubicBezTo>
+                <a:cubicBezTo>
+                  <a:pt x="585656" y="377421"/>
+                  <a:pt x="581934" y="374071"/>
+                  <a:pt x="575978" y="375560"/>
+                </a:cubicBezTo>
+                <a:cubicBezTo>
+                  <a:pt x="568533" y="377421"/>
+                  <a:pt x="567789" y="383004"/>
+                  <a:pt x="567044" y="388588"/>
+                </a:cubicBezTo>
+                <a:cubicBezTo>
+                  <a:pt x="564811" y="406455"/>
+                  <a:pt x="569650" y="422461"/>
+                  <a:pt x="578956" y="437722"/>
+                </a:cubicBezTo>
+                <a:cubicBezTo>
+                  <a:pt x="603151" y="476806"/>
+                  <a:pt x="638885" y="506957"/>
+                  <a:pt x="675736" y="535619"/>
+                </a:cubicBezTo>
+                <a:cubicBezTo>
+                  <a:pt x="723381" y="572470"/>
+                  <a:pt x="769538" y="610810"/>
+                  <a:pt x="811600" y="652872"/>
+                </a:cubicBezTo>
+                <a:cubicBezTo>
+                  <a:pt x="814578" y="655850"/>
+                  <a:pt x="820161" y="657711"/>
+                  <a:pt x="818300" y="666272"/>
+                </a:cubicBezTo>
+                <a:cubicBezTo>
+                  <a:pt x="791872" y="646544"/>
+                  <a:pt x="766932" y="627188"/>
+                  <a:pt x="741621" y="608576"/>
+                </a:cubicBezTo>
+                <a:cubicBezTo>
+                  <a:pt x="716681" y="589965"/>
+                  <a:pt x="691369" y="571353"/>
+                  <a:pt x="666430" y="553114"/>
+                </a:cubicBezTo>
+                <a:cubicBezTo>
+                  <a:pt x="660474" y="548647"/>
+                  <a:pt x="654146" y="542319"/>
+                  <a:pt x="645585" y="547903"/>
+                </a:cubicBezTo>
+                <a:cubicBezTo>
+                  <a:pt x="636652" y="553486"/>
+                  <a:pt x="637768" y="562792"/>
+                  <a:pt x="640002" y="570236"/>
+                </a:cubicBezTo>
+                <a:cubicBezTo>
+                  <a:pt x="647074" y="592198"/>
+                  <a:pt x="659358" y="611554"/>
+                  <a:pt x="675736" y="628677"/>
+                </a:cubicBezTo>
+                <a:cubicBezTo>
+                  <a:pt x="731570" y="685256"/>
+                  <a:pt x="795966" y="734018"/>
+                  <a:pt x="855896" y="786875"/>
+                </a:cubicBezTo>
+                <a:cubicBezTo>
+                  <a:pt x="888280" y="815537"/>
+                  <a:pt x="918058" y="846060"/>
+                  <a:pt x="946348" y="877699"/>
+                </a:cubicBezTo>
+                <a:cubicBezTo>
+                  <a:pt x="952676" y="884772"/>
+                  <a:pt x="952303" y="891472"/>
+                  <a:pt x="950442" y="899661"/>
+                </a:cubicBezTo>
+                <a:cubicBezTo>
+                  <a:pt x="942998" y="932790"/>
+                  <a:pt x="954537" y="943957"/>
+                  <a:pt x="991760" y="937629"/>
+                </a:cubicBezTo>
+                <a:cubicBezTo>
+                  <a:pt x="1003299" y="935767"/>
+                  <a:pt x="1011116" y="937629"/>
+                  <a:pt x="1018188" y="945445"/>
+                </a:cubicBezTo>
+                <a:cubicBezTo>
+                  <a:pt x="1103802" y="1042225"/>
+                  <a:pt x="1205048" y="1123744"/>
+                  <a:pt x="1315601" y="1196329"/>
+                </a:cubicBezTo>
+                <a:cubicBezTo>
+                  <a:pt x="1360641" y="1225735"/>
+                  <a:pt x="1407170" y="1253653"/>
+                  <a:pt x="1454443" y="1279709"/>
+                </a:cubicBezTo>
+                <a:cubicBezTo>
+                  <a:pt x="1454443" y="1281570"/>
+                  <a:pt x="1454443" y="1283804"/>
+                  <a:pt x="1454443" y="1285665"/>
+                </a:cubicBezTo>
+                <a:cubicBezTo>
+                  <a:pt x="1454071" y="1288270"/>
+                  <a:pt x="1453699" y="1289759"/>
+                  <a:pt x="1453327" y="1291993"/>
+                </a:cubicBezTo>
+                <a:cubicBezTo>
+                  <a:pt x="1386697" y="1251792"/>
+                  <a:pt x="1320812" y="1210474"/>
+                  <a:pt x="1256416" y="1166923"/>
+                </a:cubicBezTo>
+                <a:cubicBezTo>
+                  <a:pt x="1081840" y="1048926"/>
+                  <a:pt x="915080" y="922367"/>
+                  <a:pt x="745715" y="798786"/>
+                </a:cubicBezTo>
+                <a:cubicBezTo>
+                  <a:pt x="688764" y="757096"/>
+                  <a:pt x="643724" y="703867"/>
+                  <a:pt x="592356" y="656966"/>
+                </a:cubicBezTo>
+                <a:cubicBezTo>
+                  <a:pt x="558111" y="625699"/>
+                  <a:pt x="525354" y="592943"/>
+                  <a:pt x="485526" y="567259"/>
+                </a:cubicBezTo>
+                <a:cubicBezTo>
+                  <a:pt x="469148" y="556836"/>
+                  <a:pt x="452025" y="547530"/>
+                  <a:pt x="430063" y="550136"/>
+                </a:cubicBezTo>
+                <a:cubicBezTo>
+                  <a:pt x="421502" y="551253"/>
+                  <a:pt x="411824" y="553486"/>
+                  <a:pt x="408846" y="563164"/>
+                </a:cubicBezTo>
+                <a:cubicBezTo>
+                  <a:pt x="406240" y="572842"/>
+                  <a:pt x="414057" y="577309"/>
+                  <a:pt x="421130" y="581403"/>
+                </a:cubicBezTo>
+                <a:cubicBezTo>
+                  <a:pt x="422991" y="582520"/>
+                  <a:pt x="424852" y="584009"/>
+                  <a:pt x="426713" y="584009"/>
+                </a:cubicBezTo>
+                <a:cubicBezTo>
+                  <a:pt x="462075" y="586242"/>
+                  <a:pt x="470264" y="614532"/>
+                  <a:pt x="487015" y="635005"/>
+                </a:cubicBezTo>
+                <a:cubicBezTo>
+                  <a:pt x="492226" y="641333"/>
+                  <a:pt x="492598" y="647661"/>
+                  <a:pt x="487015" y="655105"/>
+                </a:cubicBezTo>
+                <a:cubicBezTo>
+                  <a:pt x="476964" y="668505"/>
+                  <a:pt x="484037" y="674461"/>
+                  <a:pt x="497437" y="678183"/>
+                </a:cubicBezTo>
+                <a:cubicBezTo>
+                  <a:pt x="510837" y="681906"/>
+                  <a:pt x="525354" y="683022"/>
+                  <a:pt x="539871" y="691584"/>
+                </a:cubicBezTo>
+                <a:cubicBezTo>
+                  <a:pt x="516793" y="698656"/>
+                  <a:pt x="500787" y="691212"/>
+                  <a:pt x="485898" y="681906"/>
+                </a:cubicBezTo>
+                <a:cubicBezTo>
+                  <a:pt x="452397" y="661433"/>
+                  <a:pt x="430808" y="631282"/>
+                  <a:pt x="410335" y="600387"/>
+                </a:cubicBezTo>
+                <a:cubicBezTo>
+                  <a:pt x="406240" y="594431"/>
+                  <a:pt x="402890" y="587731"/>
+                  <a:pt x="397307" y="582892"/>
+                </a:cubicBezTo>
+                <a:cubicBezTo>
+                  <a:pt x="386884" y="573214"/>
+                  <a:pt x="375717" y="572098"/>
+                  <a:pt x="363062" y="584009"/>
+                </a:cubicBezTo>
+                <a:cubicBezTo>
+                  <a:pt x="346311" y="599643"/>
+                  <a:pt x="340356" y="598526"/>
+                  <a:pt x="334772" y="578426"/>
+                </a:cubicBezTo>
+                <a:cubicBezTo>
+                  <a:pt x="327327" y="551253"/>
+                  <a:pt x="310577" y="532269"/>
+                  <a:pt x="281915" y="522219"/>
+                </a:cubicBezTo>
+                <a:cubicBezTo>
+                  <a:pt x="275960" y="519985"/>
+                  <a:pt x="269632" y="517007"/>
+                  <a:pt x="263304" y="521846"/>
+                </a:cubicBezTo>
+                <a:cubicBezTo>
+                  <a:pt x="256604" y="527430"/>
+                  <a:pt x="261070" y="533013"/>
+                  <a:pt x="263676" y="538225"/>
+                </a:cubicBezTo>
+                <a:cubicBezTo>
+                  <a:pt x="267398" y="546414"/>
+                  <a:pt x="271865" y="554603"/>
+                  <a:pt x="275215" y="563164"/>
+                </a:cubicBezTo>
+                <a:cubicBezTo>
+                  <a:pt x="281171" y="576937"/>
+                  <a:pt x="282288" y="591454"/>
+                  <a:pt x="271121" y="604854"/>
+                </a:cubicBezTo>
+                <a:cubicBezTo>
+                  <a:pt x="262931" y="614532"/>
+                  <a:pt x="263676" y="620860"/>
+                  <a:pt x="274471" y="627560"/>
+                </a:cubicBezTo>
+                <a:cubicBezTo>
+                  <a:pt x="309088" y="648405"/>
+                  <a:pt x="331050" y="675578"/>
+                  <a:pt x="319138" y="718012"/>
+                </a:cubicBezTo>
+                <a:cubicBezTo>
+                  <a:pt x="317277" y="723968"/>
+                  <a:pt x="319511" y="729924"/>
+                  <a:pt x="326583" y="729551"/>
+                </a:cubicBezTo>
+                <a:cubicBezTo>
+                  <a:pt x="342217" y="728435"/>
+                  <a:pt x="344822" y="738113"/>
+                  <a:pt x="349289" y="748163"/>
+                </a:cubicBezTo>
+                <a:cubicBezTo>
+                  <a:pt x="392840" y="844571"/>
+                  <a:pt x="455747" y="928695"/>
+                  <a:pt x="528332" y="1007608"/>
+                </a:cubicBezTo>
+                <a:cubicBezTo>
+                  <a:pt x="600173" y="1085777"/>
+                  <a:pt x="680947" y="1155756"/>
+                  <a:pt x="766932" y="1222758"/>
+                </a:cubicBezTo>
+                <a:cubicBezTo>
+                  <a:pt x="742737" y="1220524"/>
+                  <a:pt x="711470" y="1206752"/>
+                  <a:pt x="681319" y="1190746"/>
+                </a:cubicBezTo>
+                <a:cubicBezTo>
+                  <a:pt x="601662" y="1147939"/>
+                  <a:pt x="536149" y="1089871"/>
+                  <a:pt x="469520" y="1032920"/>
+                </a:cubicBezTo>
+                <a:cubicBezTo>
+                  <a:pt x="422991" y="993091"/>
+                  <a:pt x="377579" y="952146"/>
+                  <a:pt x="325466" y="917900"/>
+                </a:cubicBezTo>
+                <a:cubicBezTo>
+                  <a:pt x="319511" y="914178"/>
+                  <a:pt x="315416" y="909339"/>
+                  <a:pt x="312066" y="903383"/>
+                </a:cubicBezTo>
+                <a:cubicBezTo>
+                  <a:pt x="309088" y="898172"/>
+                  <a:pt x="304621" y="893333"/>
+                  <a:pt x="296805" y="895566"/>
+                </a:cubicBezTo>
+                <a:cubicBezTo>
+                  <a:pt x="288988" y="898172"/>
+                  <a:pt x="288243" y="904872"/>
+                  <a:pt x="288243" y="910828"/>
+                </a:cubicBezTo>
+                <a:cubicBezTo>
+                  <a:pt x="289360" y="933162"/>
+                  <a:pt x="295688" y="953262"/>
+                  <a:pt x="309460" y="971129"/>
+                </a:cubicBezTo>
+                <a:cubicBezTo>
+                  <a:pt x="336261" y="1006864"/>
+                  <a:pt x="371995" y="1034781"/>
+                  <a:pt x="407729" y="1062698"/>
+                </a:cubicBezTo>
+                <a:cubicBezTo>
+                  <a:pt x="457236" y="1101038"/>
+                  <a:pt x="503021" y="1142728"/>
+                  <a:pt x="544338" y="1189257"/>
+                </a:cubicBezTo>
+                <a:cubicBezTo>
+                  <a:pt x="514560" y="1166551"/>
+                  <a:pt x="484781" y="1143472"/>
+                  <a:pt x="454630" y="1120766"/>
+                </a:cubicBezTo>
+                <a:cubicBezTo>
+                  <a:pt x="431924" y="1103644"/>
+                  <a:pt x="408474" y="1087265"/>
+                  <a:pt x="385396" y="1070515"/>
+                </a:cubicBezTo>
+                <a:cubicBezTo>
+                  <a:pt x="379812" y="1066421"/>
+                  <a:pt x="373856" y="1061954"/>
+                  <a:pt x="366040" y="1067537"/>
+                </a:cubicBezTo>
+                <a:cubicBezTo>
+                  <a:pt x="358967" y="1072376"/>
+                  <a:pt x="360084" y="1079449"/>
+                  <a:pt x="361573" y="1086149"/>
+                </a:cubicBezTo>
+                <a:cubicBezTo>
+                  <a:pt x="367156" y="1112577"/>
+                  <a:pt x="382790" y="1133794"/>
+                  <a:pt x="402146" y="1152778"/>
+                </a:cubicBezTo>
+                <a:cubicBezTo>
+                  <a:pt x="425596" y="1175484"/>
+                  <a:pt x="450164" y="1197074"/>
+                  <a:pt x="475475" y="1218663"/>
+                </a:cubicBezTo>
+                <a:cubicBezTo>
+                  <a:pt x="448303" y="1212707"/>
+                  <a:pt x="421130" y="1206752"/>
+                  <a:pt x="393957" y="1201913"/>
+                </a:cubicBezTo>
+                <a:cubicBezTo>
+                  <a:pt x="406240" y="1245091"/>
+                  <a:pt x="434902" y="1253653"/>
+                  <a:pt x="460586" y="1260353"/>
+                </a:cubicBezTo>
+                <a:cubicBezTo>
+                  <a:pt x="495204" y="1268914"/>
+                  <a:pt x="528332" y="1279709"/>
+                  <a:pt x="561089" y="1291993"/>
+                </a:cubicBezTo>
+                <a:cubicBezTo>
+                  <a:pt x="574861" y="1304276"/>
+                  <a:pt x="588634" y="1316188"/>
+                  <a:pt x="602034" y="1328843"/>
+                </a:cubicBezTo>
+                <a:cubicBezTo>
+                  <a:pt x="615807" y="1341872"/>
+                  <a:pt x="628835" y="1354900"/>
+                  <a:pt x="641863" y="1368672"/>
+                </a:cubicBezTo>
+                <a:cubicBezTo>
+                  <a:pt x="651169" y="1378722"/>
+                  <a:pt x="662335" y="1387284"/>
+                  <a:pt x="651541" y="1404406"/>
+                </a:cubicBezTo>
+                <a:cubicBezTo>
+                  <a:pt x="646702" y="1412223"/>
+                  <a:pt x="678341" y="1454658"/>
+                  <a:pt x="688392" y="1457263"/>
+                </a:cubicBezTo>
+                <a:cubicBezTo>
+                  <a:pt x="689881" y="1457635"/>
+                  <a:pt x="691369" y="1458008"/>
+                  <a:pt x="692486" y="1458008"/>
+                </a:cubicBezTo>
+                <a:cubicBezTo>
+                  <a:pt x="714076" y="1456519"/>
+                  <a:pt x="718915" y="1469175"/>
+                  <a:pt x="719287" y="1485181"/>
+                </a:cubicBezTo>
+                <a:cubicBezTo>
+                  <a:pt x="719659" y="1500814"/>
+                  <a:pt x="715937" y="1520170"/>
+                  <a:pt x="745343" y="1512353"/>
+                </a:cubicBezTo>
+                <a:cubicBezTo>
+                  <a:pt x="748693" y="1511609"/>
+                  <a:pt x="749438" y="1513842"/>
+                  <a:pt x="750926" y="1516448"/>
+                </a:cubicBezTo>
+                <a:cubicBezTo>
+                  <a:pt x="782938" y="1583077"/>
+                  <a:pt x="836912" y="1634445"/>
+                  <a:pt x="890141" y="1685813"/>
+                </a:cubicBezTo>
+                <a:cubicBezTo>
+                  <a:pt x="893119" y="1688419"/>
+                  <a:pt x="896097" y="1691024"/>
+                  <a:pt x="899074" y="1693630"/>
+                </a:cubicBezTo>
+                <a:cubicBezTo>
+                  <a:pt x="843240" y="1680602"/>
+                  <a:pt x="658985" y="1663851"/>
+                  <a:pt x="605012" y="1669435"/>
+                </a:cubicBezTo>
+                <a:cubicBezTo>
+                  <a:pt x="556994" y="1674274"/>
+                  <a:pt x="285638" y="1593128"/>
+                  <a:pt x="229431" y="1545110"/>
+                </a:cubicBezTo>
+                <a:cubicBezTo>
+                  <a:pt x="221614" y="1582705"/>
+                  <a:pt x="238364" y="1597594"/>
+                  <a:pt x="251765" y="1614717"/>
+                </a:cubicBezTo>
+                <a:cubicBezTo>
+                  <a:pt x="270748" y="1638912"/>
+                  <a:pt x="273726" y="1656035"/>
+                  <a:pt x="237992" y="1675391"/>
+                </a:cubicBezTo>
+                <a:cubicBezTo>
+                  <a:pt x="135628" y="1730481"/>
+                  <a:pt x="136745" y="1732342"/>
+                  <a:pt x="232781" y="1807160"/>
+                </a:cubicBezTo>
+                <a:cubicBezTo>
+                  <a:pt x="237248" y="1810511"/>
+                  <a:pt x="235014" y="1821305"/>
+                  <a:pt x="236131" y="1828750"/>
+                </a:cubicBezTo>
+                <a:cubicBezTo>
+                  <a:pt x="211191" y="1839917"/>
+                  <a:pt x="181785" y="1810883"/>
+                  <a:pt x="152007" y="1842150"/>
+                </a:cubicBezTo>
+                <a:cubicBezTo>
+                  <a:pt x="280426" y="1979503"/>
+                  <a:pt x="475848" y="2110157"/>
+                  <a:pt x="653030" y="2213265"/>
+                </a:cubicBezTo>
+                <a:cubicBezTo>
+                  <a:pt x="509721" y="2247138"/>
+                  <a:pt x="423735" y="2128024"/>
+                  <a:pt x="318394" y="2143285"/>
+                </a:cubicBezTo>
+                <a:cubicBezTo>
+                  <a:pt x="265909" y="2180508"/>
+                  <a:pt x="422246" y="2240810"/>
+                  <a:pt x="272982" y="2258305"/>
+                </a:cubicBezTo>
+                <a:cubicBezTo>
+                  <a:pt x="337750" y="2291061"/>
+                  <a:pt x="385768" y="2323073"/>
+                  <a:pt x="430435" y="2360668"/>
+                </a:cubicBezTo>
+                <a:cubicBezTo>
+                  <a:pt x="509721" y="2428042"/>
+                  <a:pt x="525354" y="2472710"/>
+                  <a:pt x="488876" y="2563162"/>
+                </a:cubicBezTo>
+                <a:cubicBezTo>
+                  <a:pt x="464681" y="2622719"/>
+                  <a:pt x="429691" y="2677437"/>
+                  <a:pt x="460586" y="2748533"/>
+                </a:cubicBezTo>
+                <a:cubicBezTo>
+                  <a:pt x="481803" y="2797295"/>
+                  <a:pt x="473614" y="2829307"/>
+                  <a:pt x="393212" y="2807345"/>
+                </a:cubicBezTo>
+                <a:cubicBezTo>
+                  <a:pt x="306483" y="2783895"/>
+                  <a:pt x="273726" y="2827818"/>
+                  <a:pt x="295688" y="2913059"/>
+                </a:cubicBezTo>
+                <a:cubicBezTo>
+                  <a:pt x="309833" y="2967777"/>
+                  <a:pt x="294943" y="2984900"/>
+                  <a:pt x="235386" y="2978572"/>
+                </a:cubicBezTo>
+                <a:cubicBezTo>
+                  <a:pt x="169501" y="2971499"/>
+                  <a:pt x="106967" y="2935765"/>
+                  <a:pt x="25448" y="2952888"/>
+                </a:cubicBezTo>
+                <a:cubicBezTo>
+                  <a:pt x="90588" y="3052646"/>
+                  <a:pt x="229803" y="3024356"/>
+                  <a:pt x="305738" y="3119275"/>
+                </a:cubicBezTo>
+                <a:cubicBezTo>
+                  <a:pt x="215286" y="3119647"/>
+                  <a:pt x="146051" y="3119275"/>
+                  <a:pt x="79049" y="3098430"/>
+                </a:cubicBezTo>
+                <a:cubicBezTo>
+                  <a:pt x="51132" y="3089869"/>
+                  <a:pt x="20609" y="3081308"/>
+                  <a:pt x="4975" y="3109969"/>
+                </a:cubicBezTo>
+                <a:cubicBezTo>
+                  <a:pt x="-13636" y="3144587"/>
+                  <a:pt x="24331" y="3157615"/>
+                  <a:pt x="47037" y="3163943"/>
+                </a:cubicBezTo>
+                <a:cubicBezTo>
+                  <a:pt x="111061" y="3181438"/>
+                  <a:pt x="160196" y="3222755"/>
+                  <a:pt x="213425" y="3255139"/>
+                </a:cubicBezTo>
+                <a:cubicBezTo>
+                  <a:pt x="329933" y="3326236"/>
+                  <a:pt x="457981" y="3385420"/>
+                  <a:pt x="556622" y="3502301"/>
+                </a:cubicBezTo>
+                <a:cubicBezTo>
+                  <a:pt x="432669" y="3472523"/>
+                  <a:pt x="339983" y="3402915"/>
+                  <a:pt x="224592" y="3388771"/>
+                </a:cubicBezTo>
+                <a:cubicBezTo>
+                  <a:pt x="324722" y="3495601"/>
+                  <a:pt x="453142" y="3565208"/>
+                  <a:pt x="574861" y="3643004"/>
+                </a:cubicBezTo>
+                <a:cubicBezTo>
+                  <a:pt x="609479" y="3664966"/>
+                  <a:pt x="644841" y="3679855"/>
+                  <a:pt x="652657" y="3727501"/>
+                </a:cubicBezTo>
+                <a:cubicBezTo>
+                  <a:pt x="667919" y="3819814"/>
+                  <a:pt x="712959" y="3896494"/>
+                  <a:pt x="810111" y="3937067"/>
+                </a:cubicBezTo>
+                <a:cubicBezTo>
+                  <a:pt x="810856" y="3937439"/>
+                  <a:pt x="805644" y="3951212"/>
+                  <a:pt x="802294" y="3960890"/>
+                </a:cubicBezTo>
+                <a:cubicBezTo>
+                  <a:pt x="743110" y="3963868"/>
+                  <a:pt x="696581" y="3909149"/>
+                  <a:pt x="620646" y="3927017"/>
+                </a:cubicBezTo>
+                <a:cubicBezTo>
+                  <a:pt x="692858" y="4001091"/>
+                  <a:pt x="753532" y="4067720"/>
+                  <a:pt x="856268" y="4103082"/>
+                </a:cubicBezTo>
+                <a:cubicBezTo>
+                  <a:pt x="938531" y="4131372"/>
+                  <a:pt x="1040150" y="4147377"/>
+                  <a:pt x="1099707" y="4238574"/>
+                </a:cubicBezTo>
+                <a:cubicBezTo>
+                  <a:pt x="1030472" y="4256441"/>
+                  <a:pt x="978732" y="4234107"/>
+                  <a:pt x="926992" y="4218102"/>
+                </a:cubicBezTo>
+                <a:cubicBezTo>
+                  <a:pt x="847334" y="4193534"/>
+                  <a:pt x="769166" y="4165617"/>
+                  <a:pt x="689508" y="4140677"/>
+                </a:cubicBezTo>
+                <a:cubicBezTo>
+                  <a:pt x="659358" y="4131372"/>
+                  <a:pt x="626229" y="4124299"/>
+                  <a:pt x="606873" y="4169711"/>
+                </a:cubicBezTo>
+                <a:cubicBezTo>
+                  <a:pt x="707748" y="4179389"/>
+                  <a:pt x="768421" y="4240435"/>
+                  <a:pt x="831701" y="4297759"/>
+                </a:cubicBezTo>
+                <a:cubicBezTo>
+                  <a:pt x="867435" y="4330143"/>
+                  <a:pt x="896469" y="4373322"/>
+                  <a:pt x="960493" y="4356944"/>
+                </a:cubicBezTo>
+                <a:cubicBezTo>
+                  <a:pt x="994366" y="4348382"/>
+                  <a:pt x="1015955" y="4372578"/>
+                  <a:pt x="1012233" y="4402356"/>
+                </a:cubicBezTo>
+                <a:cubicBezTo>
+                  <a:pt x="999577" y="4507325"/>
+                  <a:pt x="1078118" y="4544176"/>
+                  <a:pt x="1159636" y="4564276"/>
+                </a:cubicBezTo>
+                <a:cubicBezTo>
+                  <a:pt x="1313740" y="4602616"/>
+                  <a:pt x="1442160" y="4692324"/>
+                  <a:pt x="1592169" y="4741458"/>
+                </a:cubicBezTo>
+                <a:cubicBezTo>
+                  <a:pt x="1738083" y="4789104"/>
+                  <a:pt x="2833187" y="5010209"/>
+                  <a:pt x="3110499" y="5032171"/>
+                </a:cubicBezTo>
+                <a:cubicBezTo>
+                  <a:pt x="4807501" y="5166546"/>
+                  <a:pt x="6028047" y="4106432"/>
+                  <a:pt x="6033630" y="4091915"/>
+                </a:cubicBezTo>
+                <a:cubicBezTo>
+                  <a:pt x="6059314" y="4023797"/>
+                  <a:pt x="6122965" y="3994390"/>
+                  <a:pt x="6180661" y="3957912"/>
+                </a:cubicBezTo>
+                <a:cubicBezTo>
+                  <a:pt x="6230913" y="3925900"/>
+                  <a:pt x="6284514" y="3892027"/>
+                  <a:pt x="6305359" y="3837309"/>
+                </a:cubicBezTo>
+                <a:cubicBezTo>
+                  <a:pt x="6332904" y="3764724"/>
+                  <a:pt x="6254735" y="3824281"/>
+                  <a:pt x="6240218" y="3796364"/>
+                </a:cubicBezTo>
+                <a:cubicBezTo>
+                  <a:pt x="6269997" y="3758768"/>
+                  <a:pt x="6316153" y="3724151"/>
+                  <a:pt x="6328437" y="3681344"/>
+                </a:cubicBezTo>
+                <a:cubicBezTo>
+                  <a:pt x="6372361" y="3526496"/>
+                  <a:pt x="6466907" y="3413710"/>
+                  <a:pt x="6608355" y="3326236"/>
+                </a:cubicBezTo>
+                <a:cubicBezTo>
+                  <a:pt x="6648928" y="3300924"/>
+                  <a:pt x="6675729" y="3255512"/>
+                  <a:pt x="6731191" y="3248067"/>
+                </a:cubicBezTo>
+                <a:cubicBezTo>
+                  <a:pt x="6854400" y="3232061"/>
+                  <a:pt x="6815315" y="3106992"/>
+                  <a:pt x="6880456" y="3051529"/>
+                </a:cubicBezTo>
+                <a:cubicBezTo>
+                  <a:pt x="6892739" y="3041107"/>
+                  <a:pt x="6903907" y="2777939"/>
+                  <a:pt x="6901673" y="2763795"/>
+                </a:cubicBezTo>
+                <a:cubicBezTo>
+                  <a:pt x="6898323" y="2743322"/>
+                  <a:pt x="6883806" y="2966288"/>
+                  <a:pt x="6871150" y="2948421"/>
+                </a:cubicBezTo>
+                <a:cubicBezTo>
+                  <a:pt x="6858494" y="2930182"/>
+                  <a:pt x="6839138" y="2914176"/>
+                  <a:pt x="6848444" y="2890353"/>
+                </a:cubicBezTo>
+                <a:cubicBezTo>
+                  <a:pt x="6852166" y="2880303"/>
+                  <a:pt x="6849561" y="2846058"/>
+                  <a:pt x="6878223" y="2873230"/>
+                </a:cubicBezTo>
+                <a:cubicBezTo>
+                  <a:pt x="6956763" y="2946932"/>
+                  <a:pt x="6870778" y="2578051"/>
+                  <a:pt x="6762459" y="2568745"/>
+                </a:cubicBezTo>
+                <a:cubicBezTo>
+                  <a:pt x="6801915" y="2465637"/>
+                  <a:pt x="6801915" y="2465637"/>
+                  <a:pt x="6673123" y="2451493"/>
+                </a:cubicBezTo>
+                <a:cubicBezTo>
+                  <a:pt x="6722630" y="2385980"/>
+                  <a:pt x="6722630" y="2369229"/>
+                  <a:pt x="6662700" y="2346896"/>
+                </a:cubicBezTo>
+                <a:cubicBezTo>
+                  <a:pt x="6605005" y="2325306"/>
+                  <a:pt x="6540981" y="2318234"/>
+                  <a:pt x="6487752" y="2285105"/>
+                </a:cubicBezTo>
+                <a:cubicBezTo>
+                  <a:pt x="6536887" y="2201353"/>
+                  <a:pt x="6550659" y="2104573"/>
+                  <a:pt x="6652278" y="2063628"/>
+                </a:cubicBezTo>
+                <a:cubicBezTo>
+                  <a:pt x="6668284" y="2057300"/>
+                  <a:pt x="6679079" y="2031988"/>
+                  <a:pt x="6668656" y="2017843"/>
+                </a:cubicBezTo>
+                <a:cubicBezTo>
+                  <a:pt x="6631805" y="1965359"/>
+                  <a:pt x="6684662" y="1864856"/>
+                  <a:pt x="6570015" y="1854062"/>
+                </a:cubicBezTo>
+                <a:cubicBezTo>
+                  <a:pt x="6555870" y="1852573"/>
+                  <a:pt x="6542842" y="1842150"/>
+                  <a:pt x="6554009" y="1827633"/>
+                </a:cubicBezTo>
+                <a:cubicBezTo>
+                  <a:pt x="6592349" y="1778126"/>
+                  <a:pt x="6545820" y="1781476"/>
+                  <a:pt x="6517531" y="1775149"/>
+                </a:cubicBezTo>
+                <a:cubicBezTo>
+                  <a:pt x="6483285" y="1767704"/>
+                  <a:pt x="6444573" y="1789293"/>
+                  <a:pt x="6412934" y="1762493"/>
+                </a:cubicBezTo>
+                <a:cubicBezTo>
+                  <a:pt x="6420378" y="1734203"/>
+                  <a:pt x="6447923" y="1734575"/>
+                  <a:pt x="6467279" y="1725642"/>
+                </a:cubicBezTo>
+                <a:cubicBezTo>
+                  <a:pt x="6523858" y="1699213"/>
+                  <a:pt x="6570015" y="1667946"/>
+                  <a:pt x="6572621" y="1600200"/>
+                </a:cubicBezTo>
+                <a:cubicBezTo>
+                  <a:pt x="6574854" y="1545482"/>
+                  <a:pt x="6580810" y="1497092"/>
+                  <a:pt x="6502641" y="1480341"/>
+                </a:cubicBezTo>
+                <a:cubicBezTo>
+                  <a:pt x="6490358" y="1477736"/>
+                  <a:pt x="6484030" y="1470664"/>
+                  <a:pt x="6481796" y="1461358"/>
+                </a:cubicBezTo>
+                <a:cubicBezTo>
+                  <a:pt x="6490730" y="1452424"/>
+                  <a:pt x="6499291" y="1443118"/>
+                  <a:pt x="6509713" y="1436418"/>
+                </a:cubicBezTo>
+                <a:cubicBezTo>
+                  <a:pt x="6544703" y="1414457"/>
+                  <a:pt x="6556615" y="1382072"/>
+                  <a:pt x="6567037" y="1348199"/>
+                </a:cubicBezTo>
+                <a:cubicBezTo>
+                  <a:pt x="6573737" y="1326610"/>
+                  <a:pt x="6581554" y="1305393"/>
+                  <a:pt x="6596816" y="1286781"/>
+                </a:cubicBezTo>
+                <a:cubicBezTo>
+                  <a:pt x="6606122" y="1275242"/>
+                  <a:pt x="6617661" y="1266681"/>
+                  <a:pt x="6632178" y="1261842"/>
+                </a:cubicBezTo>
+                <a:cubicBezTo>
+                  <a:pt x="6644833" y="1257375"/>
+                  <a:pt x="6648556" y="1251419"/>
+                  <a:pt x="6639994" y="1240625"/>
+                </a:cubicBezTo>
+                <a:cubicBezTo>
+                  <a:pt x="6615799" y="1209729"/>
+                  <a:pt x="6606122" y="1175856"/>
+                  <a:pt x="6622127" y="1136400"/>
+                </a:cubicBezTo>
+                <a:cubicBezTo>
+                  <a:pt x="6626967" y="1124489"/>
+                  <a:pt x="6623617" y="1114066"/>
+                  <a:pt x="6612077" y="1109599"/>
+                </a:cubicBezTo>
+                <a:cubicBezTo>
+                  <a:pt x="6564059" y="1090616"/>
+                  <a:pt x="6552148" y="1046692"/>
+                  <a:pt x="6531675" y="1009469"/>
+                </a:cubicBezTo>
+                <a:cubicBezTo>
+                  <a:pt x="6502641" y="956612"/>
+                  <a:pt x="6476213" y="902639"/>
+                  <a:pt x="6456113" y="845315"/>
+                </a:cubicBezTo>
+                <a:cubicBezTo>
+                  <a:pt x="6444201" y="811070"/>
+                  <a:pt x="6432662" y="777197"/>
+                  <a:pt x="6440851" y="739229"/>
+                </a:cubicBezTo>
+                <a:cubicBezTo>
+                  <a:pt x="6442712" y="729924"/>
+                  <a:pt x="6439362" y="722107"/>
+                  <a:pt x="6434523" y="715034"/>
+                </a:cubicBezTo>
+                <a:cubicBezTo>
+                  <a:pt x="6414050" y="684139"/>
+                  <a:pt x="6416656" y="651383"/>
+                  <a:pt x="6432290" y="617510"/>
+                </a:cubicBezTo>
+                <a:cubicBezTo>
+                  <a:pt x="6441968" y="597037"/>
+                  <a:pt x="6440851" y="594431"/>
+                  <a:pt x="6416284" y="595176"/>
+                </a:cubicBezTo>
+                <a:cubicBezTo>
+                  <a:pt x="6366405" y="596293"/>
+                  <a:pt x="6316898" y="598154"/>
+                  <a:pt x="6267763" y="591826"/>
+                </a:cubicBezTo>
+                <a:cubicBezTo>
+                  <a:pt x="6212673" y="584753"/>
+                  <a:pt x="6194806" y="568375"/>
+                  <a:pt x="6236496" y="521102"/>
+                </a:cubicBezTo>
+                <a:cubicBezTo>
+                  <a:pt x="6245430" y="511052"/>
+                  <a:pt x="6253246" y="499885"/>
+                  <a:pt x="6257341" y="487229"/>
+                </a:cubicBezTo>
+                <a:cubicBezTo>
+                  <a:pt x="6260319" y="477179"/>
+                  <a:pt x="6257713" y="470106"/>
+                  <a:pt x="6248780" y="465267"/>
+                </a:cubicBezTo>
+                <a:cubicBezTo>
+                  <a:pt x="6238357" y="459312"/>
+                  <a:pt x="6232774" y="467501"/>
+                  <a:pt x="6226818" y="473456"/>
+                </a:cubicBezTo>
+                <a:cubicBezTo>
+                  <a:pt x="6194434" y="505468"/>
+                  <a:pt x="6153861" y="527430"/>
+                  <a:pt x="6115149" y="551625"/>
+                </a:cubicBezTo>
+                <a:cubicBezTo>
+                  <a:pt x="6059686" y="586615"/>
+                  <a:pt x="6001246" y="617510"/>
+                  <a:pt x="5951739" y="659944"/>
+                </a:cubicBezTo>
+                <a:cubicBezTo>
+                  <a:pt x="5939084" y="670739"/>
+                  <a:pt x="5918611" y="662550"/>
+                  <a:pt x="5917122" y="644310"/>
+                </a:cubicBezTo>
+                <a:cubicBezTo>
+                  <a:pt x="5915633" y="626071"/>
+                  <a:pt x="5905583" y="626071"/>
+                  <a:pt x="5890694" y="630538"/>
+                </a:cubicBezTo>
+                <a:cubicBezTo>
+                  <a:pt x="5872826" y="635749"/>
+                  <a:pt x="5854959" y="640960"/>
+                  <a:pt x="5837464" y="646916"/>
+                </a:cubicBezTo>
+                <a:cubicBezTo>
+                  <a:pt x="5819225" y="653244"/>
+                  <a:pt x="5811036" y="666644"/>
+                  <a:pt x="5809175" y="683395"/>
+                </a:cubicBezTo>
+                <a:cubicBezTo>
+                  <a:pt x="5808430" y="689723"/>
+                  <a:pt x="5808803" y="697539"/>
+                  <a:pt x="5815503" y="698656"/>
+                </a:cubicBezTo>
+                <a:cubicBezTo>
+                  <a:pt x="5843048" y="703495"/>
+                  <a:pt x="5755201" y="682278"/>
+                  <a:pt x="5746268" y="667389"/>
+                </a:cubicBezTo>
+                <a:cubicBezTo>
+                  <a:pt x="5745896" y="666644"/>
+                  <a:pt x="5525907" y="720246"/>
+                  <a:pt x="5458905" y="754119"/>
+                </a:cubicBezTo>
+                <a:close/>
+                <a:moveTo>
+                  <a:pt x="885302" y="1333310"/>
+                </a:moveTo>
+                <a:cubicBezTo>
+                  <a:pt x="877857" y="1326982"/>
+                  <a:pt x="870040" y="1321027"/>
+                  <a:pt x="862596" y="1314326"/>
+                </a:cubicBezTo>
+                <a:cubicBezTo>
+                  <a:pt x="863712" y="1312837"/>
+                  <a:pt x="865201" y="1311349"/>
+                  <a:pt x="866318" y="1309860"/>
+                </a:cubicBezTo>
+                <a:cubicBezTo>
+                  <a:pt x="881580" y="1320282"/>
+                  <a:pt x="896841" y="1330705"/>
+                  <a:pt x="912103" y="1341127"/>
+                </a:cubicBezTo>
+                <a:cubicBezTo>
+                  <a:pt x="903541" y="1338522"/>
+                  <a:pt x="894235" y="1335916"/>
+                  <a:pt x="885302" y="1333310"/>
+                </a:cubicBezTo>
+                <a:close/>
+                <a:moveTo>
+                  <a:pt x="1140280" y="787619"/>
+                </a:moveTo>
+                <a:cubicBezTo>
+                  <a:pt x="1231849" y="850154"/>
+                  <a:pt x="1323418" y="913061"/>
+                  <a:pt x="1414987" y="975596"/>
+                </a:cubicBezTo>
+                <a:cubicBezTo>
+                  <a:pt x="1413498" y="977085"/>
+                  <a:pt x="1412381" y="978574"/>
+                  <a:pt x="1410892" y="980063"/>
+                </a:cubicBezTo>
+                <a:cubicBezTo>
+                  <a:pt x="1310390" y="927206"/>
+                  <a:pt x="1215471" y="868394"/>
+                  <a:pt x="1140280" y="787619"/>
+                </a:cubicBezTo>
+                <a:close/>
+              </a:path>
+            </a:pathLst>
+          </a:custGeom>
+          <a:solidFill>
+            <a:schemeClr val="accent1">
+              <a:alpha val="20000"/>
+            </a:schemeClr>
+          </a:solidFill>
+          <a:ln w="32707" cap="flat">
+            <a:noFill/>
+            <a:prstDash val="solid"/>
+            <a:miter/>
+          </a:ln>
+        </p:spPr>
+        <p:txBody>
+          <a:bodyPr rtlCol="0" anchor="ctr"/>
+          <a:lstStyle/>
+          <a:p>
+            <a:endParaRPr lang="en-US" dirty="0"/>
+          </a:p>
+        </p:txBody>
+      </p:sp>
+      <p:sp useBgFill="1">
+        <p:nvSpPr>
+          <p:cNvPr id="12" name="Rectangle 11">
+            <a:extLst>
+              <a:ext uri="{FF2B5EF4-FFF2-40B4-BE49-F238E27FC236}">
+                <a16:creationId xmlns:a16="http://schemas.microsoft.com/office/drawing/2014/main" id="{B7BD7FCF-A254-4A97-A15C-319B67622677}"/>
+              </a:ext>
+              <a:ext uri="{C183D7F6-B498-43B3-948B-1728B52AA6E4}">
+                <adec:decorative xmlns:adec="http://schemas.microsoft.com/office/drawing/2017/decorative" val="1"/>
+              </a:ext>
+            </a:extLst>
+          </p:cNvPr>
+          <p:cNvSpPr>
+            <a:spLocks noGrp="1" noRot="1" noChangeAspect="1" noMove="1" noResize="1" noEditPoints="1" noAdjustHandles="1" noChangeArrowheads="1" noChangeShapeType="1" noTextEdit="1"/>
+          </p:cNvSpPr>
+          <p:nvPr>
+            <p:extLst>
+              <p:ext uri="{386F3935-93C4-4BCD-93E2-E3B085C9AB24}">
+                <p16:designElem xmlns:p16="http://schemas.microsoft.com/office/powerpoint/2015/main" val="1"/>
+              </p:ext>
+            </p:extLst>
+          </p:nvPr>
+        </p:nvSpPr>
+        <p:spPr>
+          <a:xfrm>
+            <a:off x="0" y="0"/>
+            <a:ext cx="12188952" cy="6858000"/>
+          </a:xfrm>
+          <a:prstGeom prst="rect">
+            <a:avLst/>
+          </a:prstGeom>
+          <a:ln>
+            <a:noFill/>
+          </a:ln>
+        </p:spPr>
+        <p:style>
+          <a:lnRef idx="2">
+            <a:schemeClr val="accent1">
+              <a:shade val="50000"/>
+            </a:schemeClr>
+          </a:lnRef>
+          <a:fillRef idx="1">
+            <a:schemeClr val="accent1"/>
+          </a:fillRef>
+          <a:effectRef idx="0">
+            <a:schemeClr val="accent1"/>
+          </a:effectRef>
+          <a:fontRef idx="minor">
+            <a:schemeClr val="lt1"/>
+          </a:fontRef>
+        </p:style>
+        <p:txBody>
+          <a:bodyPr rtlCol="0" anchor="ctr"/>
+          <a:lstStyle/>
+          <a:p>
+            <a:pPr algn="ctr"/>
+            <a:endParaRPr lang="en-US"/>
+          </a:p>
+        </p:txBody>
+      </p:sp>
+      <p:sp>
+        <p:nvSpPr>
+          <p:cNvPr id="14" name="Freeform: Shape 13">
+            <a:extLst>
+              <a:ext uri="{FF2B5EF4-FFF2-40B4-BE49-F238E27FC236}">
+                <a16:creationId xmlns:a16="http://schemas.microsoft.com/office/drawing/2014/main" id="{52FFAF72-6204-4676-9C6F-9A4CC4D91805}"/>
+              </a:ext>
+              <a:ext uri="{C183D7F6-B498-43B3-948B-1728B52AA6E4}">
+                <adec:decorative xmlns:adec="http://schemas.microsoft.com/office/drawing/2017/decorative" val="1"/>
+              </a:ext>
+            </a:extLst>
+          </p:cNvPr>
+          <p:cNvSpPr>
+            <a:spLocks noGrp="1" noRot="1" noChangeAspect="1" noMove="1" noResize="1" noEditPoints="1" noAdjustHandles="1" noChangeArrowheads="1" noChangeShapeType="1" noTextEdit="1"/>
+          </p:cNvSpPr>
+          <p:nvPr>
+            <p:extLst>
+              <p:ext uri="{386F3935-93C4-4BCD-93E2-E3B085C9AB24}">
+                <p16:designElem xmlns:p16="http://schemas.microsoft.com/office/powerpoint/2015/main" val="1"/>
+              </p:ext>
+            </p:extLst>
+          </p:nvPr>
+        </p:nvSpPr>
+        <p:spPr>
+          <a:xfrm flipH="1">
+            <a:off x="0" y="0"/>
+            <a:ext cx="5962785" cy="6858000"/>
+          </a:xfrm>
+          <a:custGeom>
+            <a:avLst/>
+            <a:gdLst>
+              <a:gd name="connsiteX0" fmla="*/ 1044839 w 5962785"/>
+              <a:gd name="connsiteY0" fmla="*/ 0 h 6858000"/>
+              <a:gd name="connsiteX1" fmla="*/ 5962785 w 5962785"/>
+              <a:gd name="connsiteY1" fmla="*/ 0 h 6858000"/>
+              <a:gd name="connsiteX2" fmla="*/ 5962785 w 5962785"/>
+              <a:gd name="connsiteY2" fmla="*/ 6858000 h 6858000"/>
+              <a:gd name="connsiteX3" fmla="*/ 1469886 w 5962785"/>
+              <a:gd name="connsiteY3" fmla="*/ 6858000 h 6858000"/>
+              <a:gd name="connsiteX4" fmla="*/ 1416006 w 5962785"/>
+              <a:gd name="connsiteY4" fmla="*/ 6823984 h 6858000"/>
+              <a:gd name="connsiteX5" fmla="*/ 1232473 w 5962785"/>
+              <a:gd name="connsiteY5" fmla="*/ 6733873 h 6858000"/>
+              <a:gd name="connsiteX6" fmla="*/ 1075471 w 5962785"/>
+              <a:gd name="connsiteY6" fmla="*/ 6503186 h 6858000"/>
+              <a:gd name="connsiteX7" fmla="*/ 1020229 w 5962785"/>
+              <a:gd name="connsiteY7" fmla="*/ 6438306 h 6858000"/>
+              <a:gd name="connsiteX8" fmla="*/ 883579 w 5962785"/>
+              <a:gd name="connsiteY8" fmla="*/ 6351798 h 6858000"/>
+              <a:gd name="connsiteX9" fmla="*/ 645167 w 5962785"/>
+              <a:gd name="connsiteY9" fmla="*/ 6167969 h 6858000"/>
+              <a:gd name="connsiteX10" fmla="*/ 732391 w 5962785"/>
+              <a:gd name="connsiteY10" fmla="*/ 6124716 h 6858000"/>
+              <a:gd name="connsiteX11" fmla="*/ 985339 w 5962785"/>
+              <a:gd name="connsiteY11" fmla="*/ 6236455 h 6858000"/>
+              <a:gd name="connsiteX12" fmla="*/ 1168509 w 5962785"/>
+              <a:gd name="connsiteY12" fmla="*/ 6265291 h 6858000"/>
+              <a:gd name="connsiteX13" fmla="*/ 909746 w 5962785"/>
+              <a:gd name="connsiteY13" fmla="*/ 6070649 h 6858000"/>
+              <a:gd name="connsiteX14" fmla="*/ 659704 w 5962785"/>
+              <a:gd name="connsiteY14" fmla="*/ 5818335 h 6858000"/>
+              <a:gd name="connsiteX15" fmla="*/ 851597 w 5962785"/>
+              <a:gd name="connsiteY15" fmla="*/ 5865193 h 6858000"/>
+              <a:gd name="connsiteX16" fmla="*/ 860319 w 5962785"/>
+              <a:gd name="connsiteY16" fmla="*/ 5832753 h 6858000"/>
+              <a:gd name="connsiteX17" fmla="*/ 691686 w 5962785"/>
+              <a:gd name="connsiteY17" fmla="*/ 5533581 h 6858000"/>
+              <a:gd name="connsiteX18" fmla="*/ 610278 w 5962785"/>
+              <a:gd name="connsiteY18" fmla="*/ 5411029 h 6858000"/>
+              <a:gd name="connsiteX19" fmla="*/ 238123 w 5962785"/>
+              <a:gd name="connsiteY19" fmla="*/ 5046976 h 6858000"/>
+              <a:gd name="connsiteX20" fmla="*/ 592833 w 5962785"/>
+              <a:gd name="connsiteY20" fmla="*/ 5209177 h 6858000"/>
+              <a:gd name="connsiteX21" fmla="*/ 226494 w 5962785"/>
+              <a:gd name="connsiteY21" fmla="*/ 4855939 h 6858000"/>
+              <a:gd name="connsiteX22" fmla="*/ 49139 w 5962785"/>
+              <a:gd name="connsiteY22" fmla="*/ 4726177 h 6858000"/>
+              <a:gd name="connsiteX23" fmla="*/ 5527 w 5962785"/>
+              <a:gd name="connsiteY23" fmla="*/ 4650483 h 6858000"/>
+              <a:gd name="connsiteX24" fmla="*/ 84029 w 5962785"/>
+              <a:gd name="connsiteY24" fmla="*/ 4632460 h 6858000"/>
+              <a:gd name="connsiteX25" fmla="*/ 325347 w 5962785"/>
+              <a:gd name="connsiteY25" fmla="*/ 4661296 h 6858000"/>
+              <a:gd name="connsiteX26" fmla="*/ 25879 w 5962785"/>
+              <a:gd name="connsiteY26" fmla="*/ 4423401 h 6858000"/>
+              <a:gd name="connsiteX27" fmla="*/ 249753 w 5962785"/>
+              <a:gd name="connsiteY27" fmla="*/ 4459446 h 6858000"/>
+              <a:gd name="connsiteX28" fmla="*/ 313718 w 5962785"/>
+              <a:gd name="connsiteY28" fmla="*/ 4365729 h 6858000"/>
+              <a:gd name="connsiteX29" fmla="*/ 418386 w 5962785"/>
+              <a:gd name="connsiteY29" fmla="*/ 4214341 h 6858000"/>
+              <a:gd name="connsiteX30" fmla="*/ 491072 w 5962785"/>
+              <a:gd name="connsiteY30" fmla="*/ 4131438 h 6858000"/>
+              <a:gd name="connsiteX31" fmla="*/ 520147 w 5962785"/>
+              <a:gd name="connsiteY31" fmla="*/ 3864706 h 6858000"/>
+              <a:gd name="connsiteX32" fmla="*/ 459090 w 5962785"/>
+              <a:gd name="connsiteY32" fmla="*/ 3572743 h 6858000"/>
+              <a:gd name="connsiteX33" fmla="*/ 290458 w 5962785"/>
+              <a:gd name="connsiteY33" fmla="*/ 3424959 h 6858000"/>
+              <a:gd name="connsiteX34" fmla="*/ 339884 w 5962785"/>
+              <a:gd name="connsiteY34" fmla="*/ 3259153 h 6858000"/>
+              <a:gd name="connsiteX35" fmla="*/ 697501 w 5962785"/>
+              <a:gd name="connsiteY35" fmla="*/ 3360078 h 6858000"/>
+              <a:gd name="connsiteX36" fmla="*/ 165437 w 5962785"/>
+              <a:gd name="connsiteY36" fmla="*/ 2967190 h 6858000"/>
+              <a:gd name="connsiteX37" fmla="*/ 255568 w 5962785"/>
+              <a:gd name="connsiteY37" fmla="*/ 2949167 h 6858000"/>
+              <a:gd name="connsiteX38" fmla="*/ 578296 w 5962785"/>
+              <a:gd name="connsiteY38" fmla="*/ 2725691 h 6858000"/>
+              <a:gd name="connsiteX39" fmla="*/ 595740 w 5962785"/>
+              <a:gd name="connsiteY39" fmla="*/ 2714876 h 6858000"/>
+              <a:gd name="connsiteX40" fmla="*/ 650982 w 5962785"/>
+              <a:gd name="connsiteY40" fmla="*/ 2574301 h 6858000"/>
+              <a:gd name="connsiteX41" fmla="*/ 825429 w 5962785"/>
+              <a:gd name="connsiteY41" fmla="*/ 2552674 h 6858000"/>
+              <a:gd name="connsiteX42" fmla="*/ 970802 w 5962785"/>
+              <a:gd name="connsiteY42" fmla="*/ 2585115 h 6858000"/>
+              <a:gd name="connsiteX43" fmla="*/ 1127805 w 5962785"/>
+              <a:gd name="connsiteY43" fmla="*/ 2545465 h 6858000"/>
+              <a:gd name="connsiteX44" fmla="*/ 1267362 w 5962785"/>
+              <a:gd name="connsiteY44" fmla="*/ 2563488 h 6858000"/>
+              <a:gd name="connsiteX45" fmla="*/ 1386568 w 5962785"/>
+              <a:gd name="connsiteY45" fmla="*/ 2538257 h 6858000"/>
+              <a:gd name="connsiteX46" fmla="*/ 1270270 w 5962785"/>
+              <a:gd name="connsiteY46" fmla="*/ 2419309 h 6858000"/>
+              <a:gd name="connsiteX47" fmla="*/ 1107453 w 5962785"/>
+              <a:gd name="connsiteY47" fmla="*/ 2419309 h 6858000"/>
+              <a:gd name="connsiteX48" fmla="*/ 991154 w 5962785"/>
+              <a:gd name="connsiteY48" fmla="*/ 2343615 h 6858000"/>
+              <a:gd name="connsiteX49" fmla="*/ 880671 w 5962785"/>
+              <a:gd name="connsiteY49" fmla="*/ 2206645 h 6858000"/>
+              <a:gd name="connsiteX50" fmla="*/ 491072 w 5962785"/>
+              <a:gd name="connsiteY50" fmla="*/ 1986771 h 6858000"/>
+              <a:gd name="connsiteX51" fmla="*/ 421293 w 5962785"/>
+              <a:gd name="connsiteY51" fmla="*/ 1903868 h 6858000"/>
+              <a:gd name="connsiteX52" fmla="*/ 1531941 w 5962785"/>
+              <a:gd name="connsiteY52" fmla="*/ 2224667 h 6858000"/>
+              <a:gd name="connsiteX53" fmla="*/ 1188861 w 5962785"/>
+              <a:gd name="connsiteY53" fmla="*/ 2091301 h 6858000"/>
+              <a:gd name="connsiteX54" fmla="*/ 1421458 w 5962785"/>
+              <a:gd name="connsiteY54" fmla="*/ 2116532 h 6858000"/>
+              <a:gd name="connsiteX55" fmla="*/ 1549386 w 5962785"/>
+              <a:gd name="connsiteY55" fmla="*/ 2026420 h 6858000"/>
+              <a:gd name="connsiteX56" fmla="*/ 1549386 w 5962785"/>
+              <a:gd name="connsiteY56" fmla="*/ 1997584 h 6858000"/>
+              <a:gd name="connsiteX57" fmla="*/ 1453440 w 5962785"/>
+              <a:gd name="connsiteY57" fmla="*/ 1914682 h 6858000"/>
+              <a:gd name="connsiteX58" fmla="*/ 1398198 w 5962785"/>
+              <a:gd name="connsiteY58" fmla="*/ 1860614 h 6858000"/>
+              <a:gd name="connsiteX59" fmla="*/ 1247011 w 5962785"/>
+              <a:gd name="connsiteY59" fmla="*/ 1665972 h 6858000"/>
+              <a:gd name="connsiteX60" fmla="*/ 1354586 w 5962785"/>
+              <a:gd name="connsiteY60" fmla="*/ 1644345 h 6858000"/>
+              <a:gd name="connsiteX61" fmla="*/ 1395290 w 5962785"/>
+              <a:gd name="connsiteY61" fmla="*/ 1604696 h 6858000"/>
+              <a:gd name="connsiteX62" fmla="*/ 1366216 w 5962785"/>
+              <a:gd name="connsiteY62" fmla="*/ 1547025 h 6858000"/>
+              <a:gd name="connsiteX63" fmla="*/ 1031858 w 5962785"/>
+              <a:gd name="connsiteY63" fmla="*/ 1370405 h 6858000"/>
+              <a:gd name="connsiteX64" fmla="*/ 1005692 w 5962785"/>
+              <a:gd name="connsiteY64" fmla="*/ 1233435 h 6858000"/>
+              <a:gd name="connsiteX65" fmla="*/ 1069655 w 5962785"/>
+              <a:gd name="connsiteY65" fmla="*/ 1211808 h 6858000"/>
+              <a:gd name="connsiteX66" fmla="*/ 1142342 w 5962785"/>
+              <a:gd name="connsiteY66" fmla="*/ 1222621 h 6858000"/>
+              <a:gd name="connsiteX67" fmla="*/ 1084193 w 5962785"/>
+              <a:gd name="connsiteY67" fmla="*/ 1114487 h 6858000"/>
+              <a:gd name="connsiteX68" fmla="*/ 848689 w 5962785"/>
+              <a:gd name="connsiteY68" fmla="*/ 1006353 h 6858000"/>
+              <a:gd name="connsiteX69" fmla="*/ 805077 w 5962785"/>
+              <a:gd name="connsiteY69" fmla="*/ 948681 h 6858000"/>
+              <a:gd name="connsiteX70" fmla="*/ 863226 w 5962785"/>
+              <a:gd name="connsiteY70" fmla="*/ 919844 h 6858000"/>
+              <a:gd name="connsiteX71" fmla="*/ 906838 w 5962785"/>
+              <a:gd name="connsiteY71" fmla="*/ 909031 h 6858000"/>
+              <a:gd name="connsiteX72" fmla="*/ 5527 w 5962785"/>
+              <a:gd name="connsiteY72" fmla="*/ 458471 h 6858000"/>
+              <a:gd name="connsiteX73" fmla="*/ 209049 w 5962785"/>
+              <a:gd name="connsiteY73" fmla="*/ 454867 h 6858000"/>
+              <a:gd name="connsiteX74" fmla="*/ 409664 w 5962785"/>
+              <a:gd name="connsiteY74" fmla="*/ 526956 h 6858000"/>
+              <a:gd name="connsiteX75" fmla="*/ 621908 w 5962785"/>
+              <a:gd name="connsiteY75" fmla="*/ 516143 h 6858000"/>
+              <a:gd name="connsiteX76" fmla="*/ 822522 w 5962785"/>
+              <a:gd name="connsiteY76" fmla="*/ 552188 h 6858000"/>
+              <a:gd name="connsiteX77" fmla="*/ 996969 w 5962785"/>
+              <a:gd name="connsiteY77" fmla="*/ 552188 h 6858000"/>
+              <a:gd name="connsiteX78" fmla="*/ 834151 w 5962785"/>
+              <a:gd name="connsiteY78" fmla="*/ 498120 h 6858000"/>
+              <a:gd name="connsiteX79" fmla="*/ 773095 w 5962785"/>
+              <a:gd name="connsiteY79" fmla="*/ 408008 h 6858000"/>
+              <a:gd name="connsiteX80" fmla="*/ 793447 w 5962785"/>
+              <a:gd name="connsiteY80" fmla="*/ 325106 h 6858000"/>
+              <a:gd name="connsiteX81" fmla="*/ 860319 w 5962785"/>
+              <a:gd name="connsiteY81" fmla="*/ 350336 h 6858000"/>
+              <a:gd name="connsiteX82" fmla="*/ 938820 w 5962785"/>
+              <a:gd name="connsiteY82" fmla="*/ 444054 h 6858000"/>
+              <a:gd name="connsiteX83" fmla="*/ 956265 w 5962785"/>
+              <a:gd name="connsiteY83" fmla="*/ 386381 h 6858000"/>
+              <a:gd name="connsiteX84" fmla="*/ 1002784 w 5962785"/>
+              <a:gd name="connsiteY84" fmla="*/ 343127 h 6858000"/>
+              <a:gd name="connsiteX85" fmla="*/ 1270270 w 5962785"/>
+              <a:gd name="connsiteY85" fmla="*/ 364755 h 6858000"/>
+              <a:gd name="connsiteX86" fmla="*/ 1092915 w 5962785"/>
+              <a:gd name="connsiteY86" fmla="*/ 180926 h 6858000"/>
+              <a:gd name="connsiteX87" fmla="*/ 979525 w 5962785"/>
+              <a:gd name="connsiteY87" fmla="*/ 152090 h 6858000"/>
+              <a:gd name="connsiteX88" fmla="*/ 953358 w 5962785"/>
+              <a:gd name="connsiteY88" fmla="*/ 76396 h 6858000"/>
+              <a:gd name="connsiteX89" fmla="*/ 1005692 w 5962785"/>
+              <a:gd name="connsiteY89" fmla="*/ 58373 h 6858000"/>
+              <a:gd name="connsiteX90" fmla="*/ 1267362 w 5962785"/>
+              <a:gd name="connsiteY90" fmla="*/ 123254 h 6858000"/>
+              <a:gd name="connsiteX91" fmla="*/ 1310975 w 5962785"/>
+              <a:gd name="connsiteY91" fmla="*/ 98023 h 6858000"/>
+              <a:gd name="connsiteX92" fmla="*/ 1159787 w 5962785"/>
+              <a:gd name="connsiteY92" fmla="*/ 43505 h 6858000"/>
+            </a:gdLst>
+            <a:ahLst/>
+            <a:cxnLst>
+              <a:cxn ang="0">
+                <a:pos x="connsiteX0" y="connsiteY0"/>
+              </a:cxn>
+              <a:cxn ang="0">
+                <a:pos x="connsiteX1" y="connsiteY1"/>
+              </a:cxn>
+              <a:cxn ang="0">
+                <a:pos x="connsiteX2" y="connsiteY2"/>
+              </a:cxn>
+              <a:cxn ang="0">
+                <a:pos x="connsiteX3" y="connsiteY3"/>
+              </a:cxn>
+              <a:cxn ang="0">
+                <a:pos x="connsiteX4" y="connsiteY4"/>
+              </a:cxn>
+              <a:cxn ang="0">
+                <a:pos x="connsiteX5" y="connsiteY5"/>
+              </a:cxn>
+              <a:cxn ang="0">
+                <a:pos x="connsiteX6" y="connsiteY6"/>
+              </a:cxn>
+              <a:cxn ang="0">
+                <a:pos x="connsiteX7" y="connsiteY7"/>
+              </a:cxn>
+              <a:cxn ang="0">
+                <a:pos x="connsiteX8" y="connsiteY8"/>
+              </a:cxn>
+              <a:cxn ang="0">
+                <a:pos x="connsiteX9" y="connsiteY9"/>
+              </a:cxn>
+              <a:cxn ang="0">
+                <a:pos x="connsiteX10" y="connsiteY10"/>
+              </a:cxn>
+              <a:cxn ang="0">
+                <a:pos x="connsiteX11" y="connsiteY11"/>
+              </a:cxn>
+              <a:cxn ang="0">
+                <a:pos x="connsiteX12" y="connsiteY12"/>
+              </a:cxn>
+              <a:cxn ang="0">
+                <a:pos x="connsiteX13" y="connsiteY13"/>
+              </a:cxn>
+              <a:cxn ang="0">
+                <a:pos x="connsiteX14" y="connsiteY14"/>
+              </a:cxn>
+              <a:cxn ang="0">
+                <a:pos x="connsiteX15" y="connsiteY15"/>
+              </a:cxn>
+              <a:cxn ang="0">
+                <a:pos x="connsiteX16" y="connsiteY16"/>
+              </a:cxn>
+              <a:cxn ang="0">
+                <a:pos x="connsiteX17" y="connsiteY17"/>
+              </a:cxn>
+              <a:cxn ang="0">
+                <a:pos x="connsiteX18" y="connsiteY18"/>
+              </a:cxn>
+              <a:cxn ang="0">
+                <a:pos x="connsiteX19" y="connsiteY19"/>
+              </a:cxn>
+              <a:cxn ang="0">
+                <a:pos x="connsiteX20" y="connsiteY20"/>
+              </a:cxn>
+              <a:cxn ang="0">
+                <a:pos x="connsiteX21" y="connsiteY21"/>
+              </a:cxn>
+              <a:cxn ang="0">
+                <a:pos x="connsiteX22" y="connsiteY22"/>
+              </a:cxn>
+              <a:cxn ang="0">
+                <a:pos x="connsiteX23" y="connsiteY23"/>
+              </a:cxn>
+              <a:cxn ang="0">
+                <a:pos x="connsiteX24" y="connsiteY24"/>
+              </a:cxn>
+              <a:cxn ang="0">
+                <a:pos x="connsiteX25" y="connsiteY25"/>
+              </a:cxn>
+              <a:cxn ang="0">
+                <a:pos x="connsiteX26" y="connsiteY26"/>
+              </a:cxn>
+              <a:cxn ang="0">
+                <a:pos x="connsiteX27" y="connsiteY27"/>
+              </a:cxn>
+              <a:cxn ang="0">
+                <a:pos x="connsiteX28" y="connsiteY28"/>
+              </a:cxn>
+              <a:cxn ang="0">
+                <a:pos x="connsiteX29" y="connsiteY29"/>
+              </a:cxn>
+              <a:cxn ang="0">
+                <a:pos x="connsiteX30" y="connsiteY30"/>
+              </a:cxn>
+              <a:cxn ang="0">
+                <a:pos x="connsiteX31" y="connsiteY31"/>
+              </a:cxn>
+              <a:cxn ang="0">
+                <a:pos x="connsiteX32" y="connsiteY32"/>
+              </a:cxn>
+              <a:cxn ang="0">
+                <a:pos x="connsiteX33" y="connsiteY33"/>
+              </a:cxn>
+              <a:cxn ang="0">
+                <a:pos x="connsiteX34" y="connsiteY34"/>
+              </a:cxn>
+              <a:cxn ang="0">
+                <a:pos x="connsiteX35" y="connsiteY35"/>
+              </a:cxn>
+              <a:cxn ang="0">
+                <a:pos x="connsiteX36" y="connsiteY36"/>
+              </a:cxn>
+              <a:cxn ang="0">
+                <a:pos x="connsiteX37" y="connsiteY37"/>
+              </a:cxn>
+              <a:cxn ang="0">
+                <a:pos x="connsiteX38" y="connsiteY38"/>
+              </a:cxn>
+              <a:cxn ang="0">
+                <a:pos x="connsiteX39" y="connsiteY39"/>
+              </a:cxn>
+              <a:cxn ang="0">
+                <a:pos x="connsiteX40" y="connsiteY40"/>
+              </a:cxn>
+              <a:cxn ang="0">
+                <a:pos x="connsiteX41" y="connsiteY41"/>
+              </a:cxn>
+              <a:cxn ang="0">
+                <a:pos x="connsiteX42" y="connsiteY42"/>
+              </a:cxn>
+              <a:cxn ang="0">
+                <a:pos x="connsiteX43" y="connsiteY43"/>
+              </a:cxn>
+              <a:cxn ang="0">
+                <a:pos x="connsiteX44" y="connsiteY44"/>
+              </a:cxn>
+              <a:cxn ang="0">
+                <a:pos x="connsiteX45" y="connsiteY45"/>
+              </a:cxn>
+              <a:cxn ang="0">
+                <a:pos x="connsiteX46" y="connsiteY46"/>
+              </a:cxn>
+              <a:cxn ang="0">
+                <a:pos x="connsiteX47" y="connsiteY47"/>
+              </a:cxn>
+              <a:cxn ang="0">
+                <a:pos x="connsiteX48" y="connsiteY48"/>
+              </a:cxn>
+              <a:cxn ang="0">
+                <a:pos x="connsiteX49" y="connsiteY49"/>
+              </a:cxn>
+              <a:cxn ang="0">
+                <a:pos x="connsiteX50" y="connsiteY50"/>
+              </a:cxn>
+              <a:cxn ang="0">
+                <a:pos x="connsiteX51" y="connsiteY51"/>
+              </a:cxn>
+              <a:cxn ang="0">
+                <a:pos x="connsiteX52" y="connsiteY52"/>
+              </a:cxn>
+              <a:cxn ang="0">
+                <a:pos x="connsiteX53" y="connsiteY53"/>
+              </a:cxn>
+              <a:cxn ang="0">
+                <a:pos x="connsiteX54" y="connsiteY54"/>
+              </a:cxn>
+              <a:cxn ang="0">
+                <a:pos x="connsiteX55" y="connsiteY55"/>
+              </a:cxn>
+              <a:cxn ang="0">
+                <a:pos x="connsiteX56" y="connsiteY56"/>
+              </a:cxn>
+              <a:cxn ang="0">
+                <a:pos x="connsiteX57" y="connsiteY57"/>
+              </a:cxn>
+              <a:cxn ang="0">
+                <a:pos x="connsiteX58" y="connsiteY58"/>
+              </a:cxn>
+              <a:cxn ang="0">
+                <a:pos x="connsiteX59" y="connsiteY59"/>
+              </a:cxn>
+              <a:cxn ang="0">
+                <a:pos x="connsiteX60" y="connsiteY60"/>
+              </a:cxn>
+              <a:cxn ang="0">
+                <a:pos x="connsiteX61" y="connsiteY61"/>
+              </a:cxn>
+              <a:cxn ang="0">
+                <a:pos x="connsiteX62" y="connsiteY62"/>
+              </a:cxn>
+              <a:cxn ang="0">
+                <a:pos x="connsiteX63" y="connsiteY63"/>
+              </a:cxn>
+              <a:cxn ang="0">
+                <a:pos x="connsiteX64" y="connsiteY64"/>
+              </a:cxn>
+              <a:cxn ang="0">
+                <a:pos x="connsiteX65" y="connsiteY65"/>
+              </a:cxn>
+              <a:cxn ang="0">
+                <a:pos x="connsiteX66" y="connsiteY66"/>
+              </a:cxn>
+              <a:cxn ang="0">
+                <a:pos x="connsiteX67" y="connsiteY67"/>
+              </a:cxn>
+              <a:cxn ang="0">
+                <a:pos x="connsiteX68" y="connsiteY68"/>
+              </a:cxn>
+              <a:cxn ang="0">
+                <a:pos x="connsiteX69" y="connsiteY69"/>
+              </a:cxn>
+              <a:cxn ang="0">
+                <a:pos x="connsiteX70" y="connsiteY70"/>
+              </a:cxn>
+              <a:cxn ang="0">
+                <a:pos x="connsiteX71" y="connsiteY71"/>
+              </a:cxn>
+              <a:cxn ang="0">
+                <a:pos x="connsiteX72" y="connsiteY72"/>
+              </a:cxn>
+              <a:cxn ang="0">
+                <a:pos x="connsiteX73" y="connsiteY73"/>
+              </a:cxn>
+              <a:cxn ang="0">
+                <a:pos x="connsiteX74" y="connsiteY74"/>
+              </a:cxn>
+              <a:cxn ang="0">
+                <a:pos x="connsiteX75" y="connsiteY75"/>
+              </a:cxn>
+              <a:cxn ang="0">
+                <a:pos x="connsiteX76" y="connsiteY76"/>
+              </a:cxn>
+              <a:cxn ang="0">
+                <a:pos x="connsiteX77" y="connsiteY77"/>
+              </a:cxn>
+              <a:cxn ang="0">
+                <a:pos x="connsiteX78" y="connsiteY78"/>
+              </a:cxn>
+              <a:cxn ang="0">
+                <a:pos x="connsiteX79" y="connsiteY79"/>
+              </a:cxn>
+              <a:cxn ang="0">
+                <a:pos x="connsiteX80" y="connsiteY80"/>
+              </a:cxn>
+              <a:cxn ang="0">
+                <a:pos x="connsiteX81" y="connsiteY81"/>
+              </a:cxn>
+              <a:cxn ang="0">
+                <a:pos x="connsiteX82" y="connsiteY82"/>
+              </a:cxn>
+              <a:cxn ang="0">
+                <a:pos x="connsiteX83" y="connsiteY83"/>
+              </a:cxn>
+              <a:cxn ang="0">
+                <a:pos x="connsiteX84" y="connsiteY84"/>
+              </a:cxn>
+              <a:cxn ang="0">
+                <a:pos x="connsiteX85" y="connsiteY85"/>
+              </a:cxn>
+              <a:cxn ang="0">
+                <a:pos x="connsiteX86" y="connsiteY86"/>
+              </a:cxn>
+              <a:cxn ang="0">
+                <a:pos x="connsiteX87" y="connsiteY87"/>
+              </a:cxn>
+              <a:cxn ang="0">
+                <a:pos x="connsiteX88" y="connsiteY88"/>
+              </a:cxn>
+              <a:cxn ang="0">
+                <a:pos x="connsiteX89" y="connsiteY89"/>
+              </a:cxn>
+              <a:cxn ang="0">
+                <a:pos x="connsiteX90" y="connsiteY90"/>
+              </a:cxn>
+              <a:cxn ang="0">
+                <a:pos x="connsiteX91" y="connsiteY91"/>
+              </a:cxn>
+              <a:cxn ang="0">
+                <a:pos x="connsiteX92" y="connsiteY92"/>
+              </a:cxn>
+            </a:cxnLst>
+            <a:rect l="l" t="t" r="r" b="b"/>
+            <a:pathLst>
+              <a:path w="5962785" h="6858000">
+                <a:moveTo>
+                  <a:pt x="1044839" y="0"/>
+                </a:moveTo>
+                <a:lnTo>
+                  <a:pt x="5962785" y="0"/>
+                </a:lnTo>
+                <a:lnTo>
+                  <a:pt x="5962785" y="6858000"/>
+                </a:lnTo>
+                <a:lnTo>
+                  <a:pt x="1469886" y="6858000"/>
+                </a:lnTo>
+                <a:lnTo>
+                  <a:pt x="1416006" y="6823984"/>
+                </a:lnTo>
+                <a:cubicBezTo>
+                  <a:pt x="1356767" y="6787940"/>
+                  <a:pt x="1296437" y="6755500"/>
+                  <a:pt x="1232473" y="6733873"/>
+                </a:cubicBezTo>
+                <a:cubicBezTo>
+                  <a:pt x="1145250" y="6705037"/>
+                  <a:pt x="1060933" y="6654575"/>
+                  <a:pt x="1075471" y="6503186"/>
+                </a:cubicBezTo>
+                <a:cubicBezTo>
+                  <a:pt x="1078378" y="6459932"/>
+                  <a:pt x="1055118" y="6427493"/>
+                  <a:pt x="1020229" y="6438306"/>
+                </a:cubicBezTo>
+                <a:cubicBezTo>
+                  <a:pt x="953358" y="6459932"/>
+                  <a:pt x="921375" y="6398656"/>
+                  <a:pt x="883579" y="6351798"/>
+                </a:cubicBezTo>
+                <a:cubicBezTo>
+                  <a:pt x="816707" y="6268895"/>
+                  <a:pt x="752743" y="6182387"/>
+                  <a:pt x="645167" y="6167969"/>
+                </a:cubicBezTo>
+                <a:cubicBezTo>
+                  <a:pt x="665519" y="6103088"/>
+                  <a:pt x="700408" y="6110298"/>
+                  <a:pt x="732391" y="6124716"/>
+                </a:cubicBezTo>
+                <a:cubicBezTo>
+                  <a:pt x="816707" y="6160761"/>
+                  <a:pt x="901023" y="6200410"/>
+                  <a:pt x="985339" y="6236455"/>
+                </a:cubicBezTo>
+                <a:cubicBezTo>
+                  <a:pt x="1040581" y="6258081"/>
+                  <a:pt x="1095822" y="6290522"/>
+                  <a:pt x="1168509" y="6265291"/>
+                </a:cubicBezTo>
+                <a:cubicBezTo>
+                  <a:pt x="1104545" y="6135530"/>
+                  <a:pt x="996969" y="6110298"/>
+                  <a:pt x="909746" y="6070649"/>
+                </a:cubicBezTo>
+                <a:cubicBezTo>
+                  <a:pt x="802169" y="6020185"/>
+                  <a:pt x="738206" y="5926470"/>
+                  <a:pt x="659704" y="5818335"/>
+                </a:cubicBezTo>
+                <a:cubicBezTo>
+                  <a:pt x="738206" y="5789500"/>
+                  <a:pt x="787632" y="5868798"/>
+                  <a:pt x="851597" y="5865193"/>
+                </a:cubicBezTo>
+                <a:cubicBezTo>
+                  <a:pt x="854504" y="5854380"/>
+                  <a:pt x="860319" y="5832753"/>
+                  <a:pt x="860319" y="5832753"/>
+                </a:cubicBezTo>
+                <a:cubicBezTo>
+                  <a:pt x="755650" y="5775081"/>
+                  <a:pt x="709132" y="5666947"/>
+                  <a:pt x="691686" y="5533581"/>
+                </a:cubicBezTo>
+                <a:cubicBezTo>
+                  <a:pt x="685872" y="5465095"/>
+                  <a:pt x="648075" y="5443468"/>
+                  <a:pt x="610278" y="5411029"/>
+                </a:cubicBezTo>
+                <a:cubicBezTo>
+                  <a:pt x="482350" y="5299289"/>
+                  <a:pt x="345700" y="5198364"/>
+                  <a:pt x="238123" y="5046976"/>
+                </a:cubicBezTo>
+                <a:cubicBezTo>
+                  <a:pt x="363144" y="5064998"/>
+                  <a:pt x="461997" y="5165924"/>
+                  <a:pt x="592833" y="5209177"/>
+                </a:cubicBezTo>
+                <a:cubicBezTo>
+                  <a:pt x="488165" y="5043371"/>
+                  <a:pt x="351514" y="4956864"/>
+                  <a:pt x="226494" y="4855939"/>
+                </a:cubicBezTo>
+                <a:cubicBezTo>
+                  <a:pt x="168344" y="4809081"/>
+                  <a:pt x="116011" y="4751408"/>
+                  <a:pt x="49139" y="4726177"/>
+                </a:cubicBezTo>
+                <a:cubicBezTo>
+                  <a:pt x="25879" y="4718968"/>
+                  <a:pt x="-14825" y="4700947"/>
+                  <a:pt x="5527" y="4650483"/>
+                </a:cubicBezTo>
+                <a:cubicBezTo>
+                  <a:pt x="22972" y="4607230"/>
+                  <a:pt x="54954" y="4621648"/>
+                  <a:pt x="84029" y="4632460"/>
+                </a:cubicBezTo>
+                <a:cubicBezTo>
+                  <a:pt x="153807" y="4661296"/>
+                  <a:pt x="229401" y="4661296"/>
+                  <a:pt x="325347" y="4661296"/>
+                </a:cubicBezTo>
+                <a:cubicBezTo>
+                  <a:pt x="243939" y="4524326"/>
+                  <a:pt x="95658" y="4567580"/>
+                  <a:pt x="25879" y="4423401"/>
+                </a:cubicBezTo>
+                <a:cubicBezTo>
+                  <a:pt x="113103" y="4398170"/>
+                  <a:pt x="179975" y="4448632"/>
+                  <a:pt x="249753" y="4459446"/>
+                </a:cubicBezTo>
+                <a:cubicBezTo>
+                  <a:pt x="313718" y="4470259"/>
+                  <a:pt x="328254" y="4445028"/>
+                  <a:pt x="313718" y="4365729"/>
+                </a:cubicBezTo>
+                <a:cubicBezTo>
+                  <a:pt x="290458" y="4243177"/>
+                  <a:pt x="325347" y="4181900"/>
+                  <a:pt x="418386" y="4214341"/>
+                </a:cubicBezTo>
+                <a:cubicBezTo>
+                  <a:pt x="505609" y="4246781"/>
+                  <a:pt x="514332" y="4199922"/>
+                  <a:pt x="491072" y="4131438"/>
+                </a:cubicBezTo>
+                <a:cubicBezTo>
+                  <a:pt x="456183" y="4030512"/>
+                  <a:pt x="493979" y="3951214"/>
+                  <a:pt x="520147" y="3864706"/>
+                </a:cubicBezTo>
+                <a:cubicBezTo>
+                  <a:pt x="560851" y="3734945"/>
+                  <a:pt x="543407" y="3670064"/>
+                  <a:pt x="459090" y="3572743"/>
+                </a:cubicBezTo>
+                <a:cubicBezTo>
+                  <a:pt x="409664" y="3518676"/>
+                  <a:pt x="360236" y="3471818"/>
+                  <a:pt x="290458" y="3424959"/>
+                </a:cubicBezTo>
+                <a:cubicBezTo>
+                  <a:pt x="450368" y="3399728"/>
+                  <a:pt x="284643" y="3313221"/>
+                  <a:pt x="339884" y="3259153"/>
+                </a:cubicBezTo>
+                <a:cubicBezTo>
+                  <a:pt x="453275" y="3237527"/>
+                  <a:pt x="543407" y="3410542"/>
+                  <a:pt x="697501" y="3360078"/>
+                </a:cubicBezTo>
+                <a:cubicBezTo>
+                  <a:pt x="511425" y="3212294"/>
+                  <a:pt x="302087" y="3165436"/>
+                  <a:pt x="165437" y="2967190"/>
+                </a:cubicBezTo>
+                <a:cubicBezTo>
+                  <a:pt x="197419" y="2923937"/>
+                  <a:pt x="229401" y="2967190"/>
+                  <a:pt x="255568" y="2949167"/>
+                </a:cubicBezTo>
+                <a:cubicBezTo>
+                  <a:pt x="255568" y="2938354"/>
+                  <a:pt x="560851" y="3006840"/>
+                  <a:pt x="578296" y="2725691"/>
+                </a:cubicBezTo>
+                <a:cubicBezTo>
+                  <a:pt x="584111" y="2725691"/>
+                  <a:pt x="589926" y="2725691"/>
+                  <a:pt x="595740" y="2714876"/>
+                </a:cubicBezTo>
+                <a:cubicBezTo>
+                  <a:pt x="627722" y="2675228"/>
+                  <a:pt x="598648" y="2581510"/>
+                  <a:pt x="650982" y="2574301"/>
+                </a:cubicBezTo>
+                <a:cubicBezTo>
+                  <a:pt x="709132" y="2567092"/>
+                  <a:pt x="764373" y="2534653"/>
+                  <a:pt x="825429" y="2552674"/>
+                </a:cubicBezTo>
+                <a:cubicBezTo>
+                  <a:pt x="871949" y="2567092"/>
+                  <a:pt x="921375" y="2585115"/>
+                  <a:pt x="970802" y="2585115"/>
+                </a:cubicBezTo>
+                <a:cubicBezTo>
+                  <a:pt x="1023136" y="2585115"/>
+                  <a:pt x="1095822" y="2707668"/>
+                  <a:pt x="1127805" y="2545465"/>
+                </a:cubicBezTo>
+                <a:cubicBezTo>
+                  <a:pt x="1127805" y="2538257"/>
+                  <a:pt x="1217936" y="2556280"/>
+                  <a:pt x="1267362" y="2563488"/>
+                </a:cubicBezTo>
+                <a:cubicBezTo>
+                  <a:pt x="1308067" y="2570698"/>
+                  <a:pt x="1357494" y="2603137"/>
+                  <a:pt x="1386568" y="2538257"/>
+                </a:cubicBezTo>
+                <a:cubicBezTo>
+                  <a:pt x="1401105" y="2498607"/>
+                  <a:pt x="1331326" y="2426518"/>
+                  <a:pt x="1270270" y="2419309"/>
+                </a:cubicBezTo>
+                <a:cubicBezTo>
+                  <a:pt x="1215029" y="2412101"/>
+                  <a:pt x="1159787" y="2404892"/>
+                  <a:pt x="1107453" y="2419309"/>
+                </a:cubicBezTo>
+                <a:cubicBezTo>
+                  <a:pt x="1043489" y="2437331"/>
+                  <a:pt x="1008599" y="2408495"/>
+                  <a:pt x="991154" y="2343615"/>
+                </a:cubicBezTo>
+                <a:cubicBezTo>
+                  <a:pt x="970802" y="2275131"/>
+                  <a:pt x="933005" y="2239085"/>
+                  <a:pt x="880671" y="2206645"/>
+                </a:cubicBezTo>
+                <a:cubicBezTo>
+                  <a:pt x="752743" y="2127346"/>
+                  <a:pt x="630630" y="2033629"/>
+                  <a:pt x="491072" y="1986771"/>
+                </a:cubicBezTo>
+                <a:cubicBezTo>
+                  <a:pt x="464905" y="1979562"/>
+                  <a:pt x="432923" y="1965145"/>
+                  <a:pt x="421293" y="1903868"/>
+                </a:cubicBezTo>
+                <a:cubicBezTo>
+                  <a:pt x="799262" y="1997584"/>
+                  <a:pt x="1142342" y="2239085"/>
+                  <a:pt x="1531941" y="2224667"/>
+                </a:cubicBezTo>
+                <a:cubicBezTo>
+                  <a:pt x="1427272" y="2148974"/>
+                  <a:pt x="1302252" y="2145369"/>
+                  <a:pt x="1188861" y="2091301"/>
+                </a:cubicBezTo>
+                <a:cubicBezTo>
+                  <a:pt x="1270270" y="2051652"/>
+                  <a:pt x="1345864" y="2094906"/>
+                  <a:pt x="1421458" y="2116532"/>
+                </a:cubicBezTo>
+                <a:cubicBezTo>
+                  <a:pt x="1485422" y="2134554"/>
+                  <a:pt x="1543571" y="2138160"/>
+                  <a:pt x="1549386" y="2026420"/>
+                </a:cubicBezTo>
+                <a:cubicBezTo>
+                  <a:pt x="1549386" y="2015607"/>
+                  <a:pt x="1549386" y="2008398"/>
+                  <a:pt x="1549386" y="1997584"/>
+                </a:cubicBezTo>
+                <a:cubicBezTo>
+                  <a:pt x="1526126" y="1950727"/>
+                  <a:pt x="1494144" y="1929099"/>
+                  <a:pt x="1453440" y="1914682"/>
+                </a:cubicBezTo>
+                <a:cubicBezTo>
+                  <a:pt x="1430180" y="1907473"/>
+                  <a:pt x="1398198" y="1893056"/>
+                  <a:pt x="1398198" y="1860614"/>
+                </a:cubicBezTo>
+                <a:cubicBezTo>
+                  <a:pt x="1401105" y="1738063"/>
+                  <a:pt x="1322604" y="1702018"/>
+                  <a:pt x="1247011" y="1665972"/>
+                </a:cubicBezTo>
+                <a:cubicBezTo>
+                  <a:pt x="1287715" y="1604696"/>
+                  <a:pt x="1322604" y="1647950"/>
+                  <a:pt x="1354586" y="1644345"/>
+                </a:cubicBezTo>
+                <a:cubicBezTo>
+                  <a:pt x="1374939" y="1640741"/>
+                  <a:pt x="1395290" y="1637138"/>
+                  <a:pt x="1395290" y="1604696"/>
+                </a:cubicBezTo>
+                <a:cubicBezTo>
+                  <a:pt x="1395290" y="1579465"/>
+                  <a:pt x="1386568" y="1547025"/>
+                  <a:pt x="1366216" y="1547025"/>
+                </a:cubicBezTo>
+                <a:cubicBezTo>
+                  <a:pt x="1238288" y="1543420"/>
+                  <a:pt x="1165601" y="1370405"/>
+                  <a:pt x="1031858" y="1370405"/>
+                </a:cubicBezTo>
+                <a:cubicBezTo>
+                  <a:pt x="950450" y="1370405"/>
+                  <a:pt x="1072563" y="1273083"/>
+                  <a:pt x="1005692" y="1233435"/>
+                </a:cubicBezTo>
+                <a:cubicBezTo>
+                  <a:pt x="991154" y="1222621"/>
+                  <a:pt x="1046396" y="1208203"/>
+                  <a:pt x="1069655" y="1211808"/>
+                </a:cubicBezTo>
+                <a:cubicBezTo>
+                  <a:pt x="1092915" y="1215412"/>
+                  <a:pt x="1113268" y="1240644"/>
+                  <a:pt x="1142342" y="1222621"/>
+                </a:cubicBezTo>
+                <a:cubicBezTo>
+                  <a:pt x="1156879" y="1157741"/>
+                  <a:pt x="1119082" y="1132510"/>
+                  <a:pt x="1084193" y="1114487"/>
+                </a:cubicBezTo>
+                <a:cubicBezTo>
+                  <a:pt x="1008599" y="1071234"/>
+                  <a:pt x="933005" y="1020771"/>
+                  <a:pt x="848689" y="1006353"/>
+                </a:cubicBezTo>
+                <a:cubicBezTo>
+                  <a:pt x="819615" y="1002748"/>
+                  <a:pt x="802169" y="984726"/>
+                  <a:pt x="805077" y="948681"/>
+                </a:cubicBezTo>
+                <a:cubicBezTo>
+                  <a:pt x="810892" y="901822"/>
+                  <a:pt x="839967" y="916240"/>
+                  <a:pt x="863226" y="919844"/>
+                </a:cubicBezTo>
+                <a:cubicBezTo>
+                  <a:pt x="877764" y="923450"/>
+                  <a:pt x="892301" y="934263"/>
+                  <a:pt x="906838" y="909031"/>
+                </a:cubicBezTo>
+                <a:cubicBezTo>
+                  <a:pt x="566666" y="653113"/>
+                  <a:pt x="386404" y="667532"/>
+                  <a:pt x="5527" y="458471"/>
+                </a:cubicBezTo>
+                <a:cubicBezTo>
+                  <a:pt x="89843" y="418822"/>
+                  <a:pt x="150900" y="447658"/>
+                  <a:pt x="209049" y="454867"/>
+                </a:cubicBezTo>
+                <a:cubicBezTo>
+                  <a:pt x="354422" y="472890"/>
+                  <a:pt x="264290" y="505329"/>
+                  <a:pt x="409664" y="526956"/>
+                </a:cubicBezTo>
+                <a:cubicBezTo>
+                  <a:pt x="479443" y="537770"/>
+                  <a:pt x="543407" y="573815"/>
+                  <a:pt x="621908" y="516143"/>
+                </a:cubicBezTo>
+                <a:cubicBezTo>
+                  <a:pt x="674242" y="476494"/>
+                  <a:pt x="758558" y="519747"/>
+                  <a:pt x="822522" y="552188"/>
+                </a:cubicBezTo>
+                <a:cubicBezTo>
+                  <a:pt x="874856" y="581024"/>
+                  <a:pt x="927190" y="588232"/>
+                  <a:pt x="996969" y="552188"/>
+                </a:cubicBezTo>
+                <a:cubicBezTo>
+                  <a:pt x="933005" y="530562"/>
+                  <a:pt x="883579" y="512539"/>
+                  <a:pt x="834151" y="498120"/>
+                </a:cubicBezTo>
+                <a:cubicBezTo>
+                  <a:pt x="793447" y="487307"/>
+                  <a:pt x="770187" y="462076"/>
+                  <a:pt x="773095" y="408008"/>
+                </a:cubicBezTo>
+                <a:cubicBezTo>
+                  <a:pt x="773095" y="379172"/>
+                  <a:pt x="764373" y="339523"/>
+                  <a:pt x="793447" y="325106"/>
+                </a:cubicBezTo>
+                <a:cubicBezTo>
+                  <a:pt x="816707" y="310688"/>
+                  <a:pt x="848689" y="325106"/>
+                  <a:pt x="860319" y="350336"/>
+                </a:cubicBezTo>
+                <a:cubicBezTo>
+                  <a:pt x="874856" y="397195"/>
+                  <a:pt x="889393" y="440449"/>
+                  <a:pt x="938820" y="444054"/>
+                </a:cubicBezTo>
+                <a:cubicBezTo>
+                  <a:pt x="1005692" y="451262"/>
+                  <a:pt x="967894" y="422426"/>
+                  <a:pt x="956265" y="386381"/>
+                </a:cubicBezTo>
+                <a:cubicBezTo>
+                  <a:pt x="944635" y="346733"/>
+                  <a:pt x="979525" y="335919"/>
+                  <a:pt x="1002784" y="343127"/>
+                </a:cubicBezTo>
+                <a:cubicBezTo>
+                  <a:pt x="1090008" y="375569"/>
+                  <a:pt x="1180139" y="317897"/>
+                  <a:pt x="1270270" y="364755"/>
+                </a:cubicBezTo>
+                <a:cubicBezTo>
+                  <a:pt x="1247011" y="249411"/>
+                  <a:pt x="1197583" y="198949"/>
+                  <a:pt x="1092915" y="180926"/>
+                </a:cubicBezTo>
+                <a:cubicBezTo>
+                  <a:pt x="1055118" y="177322"/>
+                  <a:pt x="1014414" y="184530"/>
+                  <a:pt x="979525" y="152090"/>
+                </a:cubicBezTo>
+                <a:cubicBezTo>
+                  <a:pt x="959172" y="134068"/>
+                  <a:pt x="938820" y="112441"/>
+                  <a:pt x="953358" y="76396"/>
+                </a:cubicBezTo>
+                <a:cubicBezTo>
+                  <a:pt x="962080" y="51165"/>
+                  <a:pt x="985339" y="51165"/>
+                  <a:pt x="1005692" y="58373"/>
+                </a:cubicBezTo>
+                <a:cubicBezTo>
+                  <a:pt x="1090008" y="98023"/>
+                  <a:pt x="1180139" y="108837"/>
+                  <a:pt x="1267362" y="123254"/>
+                </a:cubicBezTo>
+                <a:cubicBezTo>
+                  <a:pt x="1281900" y="126859"/>
+                  <a:pt x="1296437" y="134068"/>
+                  <a:pt x="1310975" y="98023"/>
+                </a:cubicBezTo>
+                <a:cubicBezTo>
+                  <a:pt x="1260095" y="81803"/>
+                  <a:pt x="1209941" y="62879"/>
+                  <a:pt x="1159787" y="43505"/>
+                </a:cubicBezTo>
+                <a:close/>
+              </a:path>
+            </a:pathLst>
+          </a:custGeom>
+          <a:solidFill>
+            <a:schemeClr val="accent1">
+              <a:alpha val="20000"/>
+            </a:schemeClr>
+          </a:solidFill>
+          <a:ln>
+            <a:noFill/>
+          </a:ln>
+        </p:spPr>
+        <p:style>
+          <a:lnRef idx="2">
+            <a:schemeClr val="accent1">
+              <a:shade val="50000"/>
+            </a:schemeClr>
+          </a:lnRef>
+          <a:fillRef idx="1">
+            <a:schemeClr val="accent1"/>
+          </a:fillRef>
+          <a:effectRef idx="0">
+            <a:schemeClr val="accent1"/>
+          </a:effectRef>
+          <a:fontRef idx="minor">
+            <a:schemeClr val="lt1"/>
+          </a:fontRef>
+        </p:style>
+        <p:txBody>
+          <a:bodyPr wrap="square" rtlCol="0" anchor="ctr">
+            <a:noAutofit/>
+          </a:bodyPr>
+          <a:lstStyle/>
+          <a:p>
+            <a:pPr algn="ctr"/>
+            <a:endParaRPr lang="en-US"/>
+          </a:p>
+        </p:txBody>
+      </p:sp>
+      <p:pic>
+        <p:nvPicPr>
+          <p:cNvPr id="5" name="Bildobjekt 4">
+            <a:extLst>
+              <a:ext uri="{FF2B5EF4-FFF2-40B4-BE49-F238E27FC236}">
+                <a16:creationId xmlns:a16="http://schemas.microsoft.com/office/drawing/2014/main" id="{69971C4F-5F76-2B03-F133-9BA44D09CE46}"/>
+              </a:ext>
+            </a:extLst>
+          </p:cNvPr>
+          <p:cNvPicPr>
+            <a:picLocks noChangeAspect="1"/>
+          </p:cNvPicPr>
+          <p:nvPr/>
+        </p:nvPicPr>
+        <p:blipFill>
+          <a:blip r:embed="rId2"/>
+          <a:stretch>
+            <a:fillRect/>
+          </a:stretch>
+        </p:blipFill>
+        <p:spPr>
+          <a:xfrm>
+            <a:off x="6161685" y="3004248"/>
+            <a:ext cx="6045102" cy="3853752"/>
+          </a:xfrm>
+          <a:prstGeom prst="rect">
+            <a:avLst/>
+          </a:prstGeom>
+        </p:spPr>
+      </p:pic>
+      <p:sp>
+        <p:nvSpPr>
+          <p:cNvPr id="8" name="textruta 7">
+            <a:extLst>
+              <a:ext uri="{FF2B5EF4-FFF2-40B4-BE49-F238E27FC236}">
+                <a16:creationId xmlns:a16="http://schemas.microsoft.com/office/drawing/2014/main" id="{38EFF218-C5A0-CF6B-996F-17BB14EA1AB8}"/>
+              </a:ext>
+            </a:extLst>
+          </p:cNvPr>
+          <p:cNvSpPr txBox="1"/>
+          <p:nvPr/>
+        </p:nvSpPr>
+        <p:spPr>
+          <a:xfrm>
+            <a:off x="530942" y="1582994"/>
+            <a:ext cx="4994787" cy="4939814"/>
+          </a:xfrm>
+          <a:prstGeom prst="rect">
+            <a:avLst/>
+          </a:prstGeom>
+          <a:noFill/>
+        </p:spPr>
+        <p:txBody>
+          <a:bodyPr wrap="square" rtlCol="0">
+            <a:spAutoFit/>
+          </a:bodyPr>
+          <a:lstStyle/>
+          <a:p>
+            <a:r>
+              <a:rPr lang="en-US" sz="2100" dirty="0"/>
+              <a:t>BERT is a transformer-based architecture pre-trained on large corpora like Wikipedia and </a:t>
+            </a:r>
+            <a:r>
+              <a:rPr lang="en-US" sz="2100" dirty="0" err="1"/>
+              <a:t>BookCorpus</a:t>
+            </a:r>
+            <a:r>
+              <a:rPr lang="en-US" sz="2100" dirty="0"/>
+              <a:t> using unsupervised learning.</a:t>
+            </a:r>
+          </a:p>
+          <a:p>
+            <a:endParaRPr lang="en-US" sz="2100" dirty="0"/>
+          </a:p>
+          <a:p>
+            <a:r>
+              <a:rPr lang="en-US" sz="2100" dirty="0"/>
+              <a:t>Fake-News-BERT-Detect fine-tunes BERT on labeled datasets of fake and real news to achieve better domain-specific results.</a:t>
+            </a:r>
+          </a:p>
+          <a:p>
+            <a:endParaRPr lang="en-US" sz="2100" dirty="0"/>
+          </a:p>
+          <a:p>
+            <a:r>
+              <a:rPr lang="en-US" sz="2100" dirty="0"/>
+              <a:t>Fine-tuning is performed on datasets such as LIAR, </a:t>
+            </a:r>
+            <a:r>
+              <a:rPr lang="en-US" sz="2100" dirty="0" err="1"/>
+              <a:t>FakeNewsNet</a:t>
+            </a:r>
+            <a:r>
+              <a:rPr lang="en-US" sz="2100" dirty="0"/>
+              <a:t>, or custom datasets to adapt the model to the fake news detection task.</a:t>
+            </a:r>
+            <a:endParaRPr lang="sv-SE" sz="2100" dirty="0"/>
+          </a:p>
+        </p:txBody>
+      </p:sp>
+      <p:sp>
+        <p:nvSpPr>
+          <p:cNvPr id="9" name="textruta 8">
+            <a:extLst>
+              <a:ext uri="{FF2B5EF4-FFF2-40B4-BE49-F238E27FC236}">
+                <a16:creationId xmlns:a16="http://schemas.microsoft.com/office/drawing/2014/main" id="{DD9FFF93-A4AF-6C7E-7E68-5CEAD22AB375}"/>
+              </a:ext>
+            </a:extLst>
+          </p:cNvPr>
+          <p:cNvSpPr txBox="1"/>
+          <p:nvPr/>
+        </p:nvSpPr>
+        <p:spPr>
+          <a:xfrm>
+            <a:off x="599767" y="353961"/>
+            <a:ext cx="7216877" cy="830997"/>
+          </a:xfrm>
+          <a:prstGeom prst="rect">
+            <a:avLst/>
+          </a:prstGeom>
+          <a:noFill/>
+        </p:spPr>
+        <p:txBody>
+          <a:bodyPr wrap="square" rtlCol="0">
+            <a:spAutoFit/>
+          </a:bodyPr>
+          <a:lstStyle/>
+          <a:p>
+            <a:r>
+              <a:rPr lang="sv-SE" sz="4800" dirty="0" err="1">
+                <a:latin typeface="+mj-lt"/>
+              </a:rPr>
+              <a:t>Fake</a:t>
+            </a:r>
+            <a:r>
+              <a:rPr lang="sv-SE" sz="4800" dirty="0">
+                <a:latin typeface="+mj-lt"/>
+              </a:rPr>
+              <a:t>-</a:t>
+            </a:r>
+            <a:r>
+              <a:rPr lang="sv-SE" sz="4800" dirty="0" err="1">
+                <a:latin typeface="+mj-lt"/>
+              </a:rPr>
+              <a:t>News</a:t>
+            </a:r>
+            <a:r>
+              <a:rPr lang="sv-SE" sz="4800" dirty="0">
+                <a:latin typeface="+mj-lt"/>
+              </a:rPr>
+              <a:t>-Bert-</a:t>
+            </a:r>
+            <a:r>
+              <a:rPr lang="sv-SE" sz="4800" dirty="0" err="1">
+                <a:latin typeface="+mj-lt"/>
+              </a:rPr>
+              <a:t>Detect</a:t>
+            </a:r>
+            <a:endParaRPr lang="sv-SE" sz="4800" dirty="0">
+              <a:latin typeface="+mj-lt"/>
+            </a:endParaRPr>
+          </a:p>
+        </p:txBody>
+      </p:sp>
+    </p:spTree>
+    <p:extLst>
+      <p:ext uri="{BB962C8B-B14F-4D97-AF65-F5344CB8AC3E}">
+        <p14:creationId xmlns:p14="http://schemas.microsoft.com/office/powerpoint/2010/main" val="3165100521"/>
+      </p:ext>
+    </p:extLst>
+  </p:cSld>
+  <p:clrMapOvr>
+    <a:masterClrMapping/>
+  </p:clrMapOvr>
+</p:sld>
+</file>
+
+<file path=ppt/slides/slide7.xml><?xml version="1.0" encoding="utf-8"?>
 <p:sld xmlns:a="http://schemas.openxmlformats.org/drawingml/2006/main" xmlns:r="http://schemas.openxmlformats.org/officeDocument/2006/relationships" xmlns:p="http://schemas.openxmlformats.org/presentationml/2006/main">
   <p:cSld>
     <p:bg>
@@ -39440,7 +41893,7 @@
 </p:sld>
 </file>
 
-<file path=ppt/slides/slide7.xml><?xml version="1.0" encoding="utf-8"?>
+<file path=ppt/slides/slide8.xml><?xml version="1.0" encoding="utf-8"?>
 <p:sld xmlns:a="http://schemas.openxmlformats.org/drawingml/2006/main" xmlns:r="http://schemas.openxmlformats.org/officeDocument/2006/relationships" xmlns:p="http://schemas.openxmlformats.org/presentationml/2006/main">
   <p:cSld>
     <p:spTree>
@@ -39532,7 +41985,7 @@
 </p:sld>
 </file>
 
-<file path=ppt/slides/slide8.xml><?xml version="1.0" encoding="utf-8"?>
+<file path=ppt/slides/slide9.xml><?xml version="1.0" encoding="utf-8"?>
 <p:sld xmlns:a="http://schemas.openxmlformats.org/drawingml/2006/main" xmlns:r="http://schemas.openxmlformats.org/officeDocument/2006/relationships" xmlns:p="http://schemas.openxmlformats.org/presentationml/2006/main">
   <p:cSld>
     <p:spTree>
@@ -39672,62 +42125,6 @@
     <p:extLst>
       <p:ext uri="{BB962C8B-B14F-4D97-AF65-F5344CB8AC3E}">
         <p14:creationId xmlns:p14="http://schemas.microsoft.com/office/powerpoint/2010/main" val="3428100417"/>
-      </p:ext>
-    </p:extLst>
-  </p:cSld>
-  <p:clrMapOvr>
-    <a:masterClrMapping/>
-  </p:clrMapOvr>
-</p:sld>
-</file>
-
-<file path=ppt/slides/slide9.xml><?xml version="1.0" encoding="utf-8"?>
-<p:sld xmlns:a="http://schemas.openxmlformats.org/drawingml/2006/main" xmlns:r="http://schemas.openxmlformats.org/officeDocument/2006/relationships" xmlns:p="http://schemas.openxmlformats.org/presentationml/2006/main">
-  <p:cSld>
-    <p:spTree>
-      <p:nvGrpSpPr>
-        <p:cNvPr id="1" name=""/>
-        <p:cNvGrpSpPr/>
-        <p:nvPr/>
-      </p:nvGrpSpPr>
-      <p:grpSpPr>
-        <a:xfrm>
-          <a:off x="0" y="0"/>
-          <a:ext cx="0" cy="0"/>
-          <a:chOff x="0" y="0"/>
-          <a:chExt cx="0" cy="0"/>
-        </a:xfrm>
-      </p:grpSpPr>
-      <p:graphicFrame>
-        <p:nvGraphicFramePr>
-          <p:cNvPr id="8" name="Platshållare för innehåll 5">
-            <a:extLst>
-              <a:ext uri="{FF2B5EF4-FFF2-40B4-BE49-F238E27FC236}">
-                <a16:creationId xmlns:a16="http://schemas.microsoft.com/office/drawing/2014/main" id="{9DEA890C-ADF3-4839-9A70-47656DFF1284}"/>
-              </a:ext>
-            </a:extLst>
-          </p:cNvPr>
-          <p:cNvGraphicFramePr>
-            <a:graphicFrameLocks noGrp="1"/>
-          </p:cNvGraphicFramePr>
-          <p:nvPr>
-            <p:ph idx="1"/>
-          </p:nvPr>
-        </p:nvGraphicFramePr>
-        <p:xfrm>
-          <a:off x="730045" y="182880"/>
-          <a:ext cx="10515600" cy="6158926"/>
-        </p:xfrm>
-        <a:graphic>
-          <a:graphicData uri="http://schemas.openxmlformats.org/drawingml/2006/diagram">
-            <dgm:relIds xmlns:dgm="http://schemas.openxmlformats.org/drawingml/2006/diagram" xmlns:r="http://schemas.openxmlformats.org/officeDocument/2006/relationships" r:dm="rId2" r:lo="rId3" r:qs="rId4" r:cs="rId5"/>
-          </a:graphicData>
-        </a:graphic>
-      </p:graphicFrame>
-    </p:spTree>
-    <p:extLst>
-      <p:ext uri="{BB962C8B-B14F-4D97-AF65-F5344CB8AC3E}">
-        <p14:creationId xmlns:p14="http://schemas.microsoft.com/office/powerpoint/2010/main" val="2903436031"/>
       </p:ext>
     </p:extLst>
   </p:cSld>
@@ -39939,6 +42336,15 @@
 </file>
 
 <file path=customXml/item1.xml><?xml version="1.0" encoding="utf-8"?>
+<?mso-contentType ?>
+<FormTemplates xmlns="http://schemas.microsoft.com/sharepoint/v3/contenttype/forms">
+  <Display>DocumentLibraryForm</Display>
+  <Edit>DocumentLibraryForm</Edit>
+  <New>DocumentLibraryForm</New>
+</FormTemplates>
+</file>
+
+<file path=customXml/item2.xml><?xml version="1.0" encoding="utf-8"?>
 <ct:contentTypeSchema xmlns:ct="http://schemas.microsoft.com/office/2006/metadata/contentType" xmlns:ma="http://schemas.microsoft.com/office/2006/metadata/properties/metaAttributes" ct:_="" ma:_="" ma:contentTypeName="dokument" ma:contentTypeID="0x010100195EBA5523F83C4D928A94B5157C71D2" ma:contentTypeVersion="5" ma:contentTypeDescription="Skapa ett nytt dokument." ma:contentTypeScope="" ma:versionID="f282643065115081de6ff94d97e85b55">
   <xsd:schema xmlns:xsd="http://www.w3.org/2001/XMLSchema" xmlns:xs="http://www.w3.org/2001/XMLSchema" xmlns:p="http://schemas.microsoft.com/office/2006/metadata/properties" xmlns:ns3="d2341022-8a4b-4651-b07d-a9bd19ed76a5" targetNamespace="http://schemas.microsoft.com/office/2006/metadata/properties" ma:root="true" ma:fieldsID="1c13cc9650ae69f7d001b6c308d78d54" ns3:_="">
     <xsd:import namespace="d2341022-8a4b-4651-b07d-a9bd19ed76a5"/>
@@ -40088,15 +42494,6 @@
 </ct:contentTypeSchema>
 </file>
 
-<file path=customXml/item2.xml><?xml version="1.0" encoding="utf-8"?>
-<?mso-contentType ?>
-<FormTemplates xmlns="http://schemas.microsoft.com/sharepoint/v3/contenttype/forms">
-  <Display>DocumentLibraryForm</Display>
-  <Edit>DocumentLibraryForm</Edit>
-  <New>DocumentLibraryForm</New>
-</FormTemplates>
-</file>
-
 <file path=customXml/item3.xml><?xml version="1.0" encoding="utf-8"?>
 <p:properties xmlns:p="http://schemas.microsoft.com/office/2006/metadata/properties" xmlns:xsi="http://www.w3.org/2001/XMLSchema-instance" xmlns:pc="http://schemas.microsoft.com/office/infopath/2007/PartnerControls">
   <documentManagement/>
@@ -40104,6 +42501,14 @@
 </file>
 
 <file path=customXml/itemProps1.xml><?xml version="1.0" encoding="utf-8"?>
+<ds:datastoreItem xmlns:ds="http://schemas.openxmlformats.org/officeDocument/2006/customXml" ds:itemID="{F1C9E830-96AA-4BAD-A6AB-24B4EB39A94F}">
+  <ds:schemaRefs>
+    <ds:schemaRef ds:uri="http://schemas.microsoft.com/sharepoint/v3/contenttype/forms"/>
+  </ds:schemaRefs>
+</ds:datastoreItem>
+</file>
+
+<file path=customXml/itemProps2.xml><?xml version="1.0" encoding="utf-8"?>
 <ds:datastoreItem xmlns:ds="http://schemas.openxmlformats.org/officeDocument/2006/customXml" ds:itemID="{BF394188-BDE6-42F8-B1A0-BCBA00D0A8C8}">
   <ds:schemaRefs>
     <ds:schemaRef ds:uri="http://schemas.microsoft.com/office/2006/metadata/contentType"/>
@@ -40117,14 +42522,6 @@
     <ds:schemaRef ds:uri="http://purl.org/dc/elements/1.1/"/>
     <ds:schemaRef ds:uri="http://purl.org/dc/terms/"/>
     <ds:schemaRef ds:uri="http://schemas.microsoft.com/internal/obd"/>
-  </ds:schemaRefs>
-</ds:datastoreItem>
-</file>
-
-<file path=customXml/itemProps2.xml><?xml version="1.0" encoding="utf-8"?>
-<ds:datastoreItem xmlns:ds="http://schemas.openxmlformats.org/officeDocument/2006/customXml" ds:itemID="{F1C9E830-96AA-4BAD-A6AB-24B4EB39A94F}">
-  <ds:schemaRefs>
-    <ds:schemaRef ds:uri="http://schemas.microsoft.com/sharepoint/v3/contenttype/forms"/>
   </ds:schemaRefs>
 </ds:datastoreItem>
 </file>
